--- a/Reproducible_workflows_in_Stata_1.pptx
+++ b/Reproducible_workflows_in_Stata_1.pptx
@@ -5,7 +5,7 @@
     <p:sldMasterId id="2147483648" r:id="rId1"/>
   </p:sldMasterIdLst>
   <p:notesMasterIdLst>
-    <p:notesMasterId r:id="rId15"/>
+    <p:notesMasterId r:id="rId14"/>
   </p:notesMasterIdLst>
   <p:sldIdLst>
     <p:sldId id="256" r:id="rId2"/>
@@ -20,7 +20,6 @@
     <p:sldId id="262" r:id="rId11"/>
     <p:sldId id="265" r:id="rId12"/>
     <p:sldId id="258" r:id="rId13"/>
-    <p:sldId id="266" r:id="rId14"/>
   </p:sldIdLst>
   <p:sldSz cx="12192000" cy="6858000"/>
   <p:notesSz cx="6858000" cy="9144000"/>
@@ -141,7 +140,7 @@
 <file path=ppt/revisionInfo.xml><?xml version="1.0" encoding="utf-8"?>
 <p1510:revInfo xmlns:a="http://schemas.openxmlformats.org/drawingml/2006/main" xmlns:r="http://schemas.openxmlformats.org/officeDocument/2006/relationships" xmlns:p1510="http://schemas.microsoft.com/office/powerpoint/2015/10/main">
   <p1510:revLst>
-    <p1510:client id="{89292745-C113-414A-83F6-665937AB26C7}" v="43" dt="2024-07-08T18:16:25.623"/>
+    <p1510:client id="{89292745-C113-414A-83F6-665937AB26C7}" v="45" dt="2024-07-08T18:31:25.881"/>
   </p1510:revLst>
 </p1510:revInfo>
 </file>
@@ -150,13 +149,13 @@
 <pc:chgInfo xmlns:a="http://schemas.openxmlformats.org/drawingml/2006/main" xmlns:r="http://schemas.openxmlformats.org/officeDocument/2006/relationships" xmlns:ac="http://schemas.microsoft.com/office/drawing/2013/main/command" xmlns:pc="http://schemas.microsoft.com/office/powerpoint/2013/main/command">
   <pc:docChgLst>
     <pc:chgData name="Hughes, Alun" userId="81d6dbdb-f4e2-4bbf-862a-a384df869129" providerId="ADAL" clId="{89292745-C113-414A-83F6-665937AB26C7}"/>
-    <pc:docChg chg="undo custSel addSld modSld sldOrd modMainMaster">
-      <pc:chgData name="Hughes, Alun" userId="81d6dbdb-f4e2-4bbf-862a-a384df869129" providerId="ADAL" clId="{89292745-C113-414A-83F6-665937AB26C7}" dt="2024-07-08T18:21:17.651" v="2889" actId="1035"/>
+    <pc:docChg chg="undo custSel addSld delSld modSld sldOrd modMainMaster">
+      <pc:chgData name="Hughes, Alun" userId="81d6dbdb-f4e2-4bbf-862a-a384df869129" providerId="ADAL" clId="{89292745-C113-414A-83F6-665937AB26C7}" dt="2024-07-08T18:31:25.877" v="3104" actId="20577"/>
       <pc:docMkLst>
         <pc:docMk/>
       </pc:docMkLst>
-      <pc:sldChg chg="modSp">
-        <pc:chgData name="Hughes, Alun" userId="81d6dbdb-f4e2-4bbf-862a-a384df869129" providerId="ADAL" clId="{89292745-C113-414A-83F6-665937AB26C7}" dt="2024-07-08T16:49:12.645" v="794"/>
+      <pc:sldChg chg="addSp modSp mod">
+        <pc:chgData name="Hughes, Alun" userId="81d6dbdb-f4e2-4bbf-862a-a384df869129" providerId="ADAL" clId="{89292745-C113-414A-83F6-665937AB26C7}" dt="2024-07-08T18:23:13.828" v="2918" actId="1076"/>
         <pc:sldMkLst>
           <pc:docMk/>
           <pc:sldMk cId="4193300258" sldId="256"/>
@@ -175,6 +174,14 @@
             <pc:docMk/>
             <pc:sldMk cId="4193300258" sldId="256"/>
             <ac:spMk id="3" creationId="{BB390B81-1ED0-ED2B-882C-5D0840830AC2}"/>
+          </ac:spMkLst>
+        </pc:spChg>
+        <pc:spChg chg="add mod">
+          <ac:chgData name="Hughes, Alun" userId="81d6dbdb-f4e2-4bbf-862a-a384df869129" providerId="ADAL" clId="{89292745-C113-414A-83F6-665937AB26C7}" dt="2024-07-08T18:23:13.828" v="2918" actId="1076"/>
+          <ac:spMkLst>
+            <pc:docMk/>
+            <pc:sldMk cId="4193300258" sldId="256"/>
+            <ac:spMk id="4" creationId="{8BD7DB62-05F4-FB4D-96B0-38963E6A1C24}"/>
           </ac:spMkLst>
         </pc:spChg>
       </pc:sldChg>
@@ -240,7 +247,7 @@
         </pc:spChg>
       </pc:sldChg>
       <pc:sldChg chg="modSp mod">
-        <pc:chgData name="Hughes, Alun" userId="81d6dbdb-f4e2-4bbf-862a-a384df869129" providerId="ADAL" clId="{89292745-C113-414A-83F6-665937AB26C7}" dt="2024-07-08T18:07:17.238" v="2723" actId="108"/>
+        <pc:chgData name="Hughes, Alun" userId="81d6dbdb-f4e2-4bbf-862a-a384df869129" providerId="ADAL" clId="{89292745-C113-414A-83F6-665937AB26C7}" dt="2024-07-08T18:31:25.877" v="3104" actId="20577"/>
         <pc:sldMkLst>
           <pc:docMk/>
           <pc:sldMk cId="3014174973" sldId="262"/>
@@ -254,7 +261,7 @@
           </ac:spMkLst>
         </pc:spChg>
         <pc:spChg chg="mod">
-          <ac:chgData name="Hughes, Alun" userId="81d6dbdb-f4e2-4bbf-862a-a384df869129" providerId="ADAL" clId="{89292745-C113-414A-83F6-665937AB26C7}" dt="2024-07-08T17:59:05.261" v="2532" actId="108"/>
+          <ac:chgData name="Hughes, Alun" userId="81d6dbdb-f4e2-4bbf-862a-a384df869129" providerId="ADAL" clId="{89292745-C113-414A-83F6-665937AB26C7}" dt="2024-07-08T18:31:25.877" v="3104" actId="20577"/>
           <ac:spMkLst>
             <pc:docMk/>
             <pc:sldMk cId="3014174973" sldId="262"/>
@@ -263,7 +270,7 @@
         </pc:spChg>
       </pc:sldChg>
       <pc:sldChg chg="modSp mod">
-        <pc:chgData name="Hughes, Alun" userId="81d6dbdb-f4e2-4bbf-862a-a384df869129" providerId="ADAL" clId="{89292745-C113-414A-83F6-665937AB26C7}" dt="2024-07-08T18:21:17.651" v="2889" actId="1035"/>
+        <pc:chgData name="Hughes, Alun" userId="81d6dbdb-f4e2-4bbf-862a-a384df869129" providerId="ADAL" clId="{89292745-C113-414A-83F6-665937AB26C7}" dt="2024-07-08T18:30:12.589" v="3048" actId="6549"/>
         <pc:sldMkLst>
           <pc:docMk/>
           <pc:sldMk cId="3068597339" sldId="263"/>
@@ -282,6 +289,46 @@
             <pc:docMk/>
             <pc:sldMk cId="3068597339" sldId="263"/>
             <ac:spMk id="3" creationId="{51BD4E26-1FD6-72FC-9ADA-E6FABB7B46BE}"/>
+          </ac:spMkLst>
+        </pc:spChg>
+        <pc:spChg chg="mod">
+          <ac:chgData name="Hughes, Alun" userId="81d6dbdb-f4e2-4bbf-862a-a384df869129" providerId="ADAL" clId="{89292745-C113-414A-83F6-665937AB26C7}" dt="2024-07-08T18:29:49.652" v="3030" actId="20577"/>
+          <ac:spMkLst>
+            <pc:docMk/>
+            <pc:sldMk cId="3068597339" sldId="263"/>
+            <ac:spMk id="5" creationId="{776A4FAF-15CB-135B-FFEB-E56BD40F9666}"/>
+          </ac:spMkLst>
+        </pc:spChg>
+        <pc:spChg chg="mod">
+          <ac:chgData name="Hughes, Alun" userId="81d6dbdb-f4e2-4bbf-862a-a384df869129" providerId="ADAL" clId="{89292745-C113-414A-83F6-665937AB26C7}" dt="2024-07-08T18:29:30.768" v="3021" actId="255"/>
+          <ac:spMkLst>
+            <pc:docMk/>
+            <pc:sldMk cId="3068597339" sldId="263"/>
+            <ac:spMk id="7" creationId="{8009869B-2F6E-C475-8A8E-2F3761130856}"/>
+          </ac:spMkLst>
+        </pc:spChg>
+        <pc:spChg chg="mod">
+          <ac:chgData name="Hughes, Alun" userId="81d6dbdb-f4e2-4bbf-862a-a384df869129" providerId="ADAL" clId="{89292745-C113-414A-83F6-665937AB26C7}" dt="2024-07-08T18:29:36.097" v="3022" actId="255"/>
+          <ac:spMkLst>
+            <pc:docMk/>
+            <pc:sldMk cId="3068597339" sldId="263"/>
+            <ac:spMk id="28" creationId="{09F97D9C-A7E3-AF4D-57A5-ABEB4BF6924C}"/>
+          </ac:spMkLst>
+        </pc:spChg>
+        <pc:spChg chg="mod">
+          <ac:chgData name="Hughes, Alun" userId="81d6dbdb-f4e2-4bbf-862a-a384df869129" providerId="ADAL" clId="{89292745-C113-414A-83F6-665937AB26C7}" dt="2024-07-08T18:29:45.901" v="3029" actId="20577"/>
+          <ac:spMkLst>
+            <pc:docMk/>
+            <pc:sldMk cId="3068597339" sldId="263"/>
+            <ac:spMk id="30" creationId="{9495AC1A-8FD2-FC37-DF4A-70D19FBD5141}"/>
+          </ac:spMkLst>
+        </pc:spChg>
+        <pc:spChg chg="mod">
+          <ac:chgData name="Hughes, Alun" userId="81d6dbdb-f4e2-4bbf-862a-a384df869129" providerId="ADAL" clId="{89292745-C113-414A-83F6-665937AB26C7}" dt="2024-07-08T18:30:12.589" v="3048" actId="6549"/>
+          <ac:spMkLst>
+            <pc:docMk/>
+            <pc:sldMk cId="3068597339" sldId="263"/>
+            <ac:spMk id="32" creationId="{98FFF4FB-398E-C18D-184A-C9AC5FE496F7}"/>
           </ac:spMkLst>
         </pc:spChg>
         <pc:cxnChg chg="mod">
@@ -339,8 +386,8 @@
           </ac:spMkLst>
         </pc:spChg>
       </pc:sldChg>
-      <pc:sldChg chg="addSp delSp modSp mod ord">
-        <pc:chgData name="Hughes, Alun" userId="81d6dbdb-f4e2-4bbf-862a-a384df869129" providerId="ADAL" clId="{89292745-C113-414A-83F6-665937AB26C7}" dt="2024-07-08T17:01:03.025" v="970"/>
+      <pc:sldChg chg="addSp delSp modSp del mod ord">
+        <pc:chgData name="Hughes, Alun" userId="81d6dbdb-f4e2-4bbf-862a-a384df869129" providerId="ADAL" clId="{89292745-C113-414A-83F6-665937AB26C7}" dt="2024-07-08T18:24:51.528" v="2939" actId="2696"/>
         <pc:sldMkLst>
           <pc:docMk/>
           <pc:sldMk cId="2109648027" sldId="266"/>
@@ -625,7 +672,7 @@
         </pc:picChg>
       </pc:sldChg>
       <pc:sldChg chg="modSp new mod">
-        <pc:chgData name="Hughes, Alun" userId="81d6dbdb-f4e2-4bbf-862a-a384df869129" providerId="ADAL" clId="{89292745-C113-414A-83F6-665937AB26C7}" dt="2024-07-08T18:09:02.609" v="2751" actId="255"/>
+        <pc:chgData name="Hughes, Alun" userId="81d6dbdb-f4e2-4bbf-862a-a384df869129" providerId="ADAL" clId="{89292745-C113-414A-83F6-665937AB26C7}" dt="2024-07-08T18:24:01.020" v="2938" actId="20577"/>
         <pc:sldMkLst>
           <pc:docMk/>
           <pc:sldMk cId="3851793203" sldId="269"/>
@@ -639,7 +686,7 @@
           </ac:spMkLst>
         </pc:spChg>
         <pc:spChg chg="mod">
-          <ac:chgData name="Hughes, Alun" userId="81d6dbdb-f4e2-4bbf-862a-a384df869129" providerId="ADAL" clId="{89292745-C113-414A-83F6-665937AB26C7}" dt="2024-07-08T18:09:02.609" v="2751" actId="255"/>
+          <ac:chgData name="Hughes, Alun" userId="81d6dbdb-f4e2-4bbf-862a-a384df869129" providerId="ADAL" clId="{89292745-C113-414A-83F6-665937AB26C7}" dt="2024-07-08T18:24:01.020" v="2938" actId="20577"/>
           <ac:spMkLst>
             <pc:docMk/>
             <pc:sldMk cId="3851793203" sldId="269"/>
@@ -5277,6 +5324,58 @@
           </a:p>
         </p:txBody>
       </p:sp>
+      <p:sp>
+        <p:nvSpPr>
+          <p:cNvPr id="4" name="TextBox 3">
+            <a:extLst>
+              <a:ext uri="{FF2B5EF4-FFF2-40B4-BE49-F238E27FC236}">
+                <a16:creationId xmlns:a16="http://schemas.microsoft.com/office/drawing/2014/main" id="{8BD7DB62-05F4-FB4D-96B0-38963E6A1C24}"/>
+              </a:ext>
+            </a:extLst>
+          </p:cNvPr>
+          <p:cNvSpPr txBox="1"/>
+          <p:nvPr/>
+        </p:nvSpPr>
+        <p:spPr>
+          <a:xfrm>
+            <a:off x="8994710" y="5735637"/>
+            <a:ext cx="2773516" cy="646331"/>
+          </a:xfrm>
+          <a:prstGeom prst="rect">
+            <a:avLst/>
+          </a:prstGeom>
+          <a:noFill/>
+        </p:spPr>
+        <p:txBody>
+          <a:bodyPr wrap="none" rtlCol="0">
+            <a:spAutoFit/>
+          </a:bodyPr>
+          <a:lstStyle/>
+          <a:p>
+            <a:pPr algn="r"/>
+            <a:r>
+              <a:rPr lang="en-GB" dirty="0">
+                <a:hlinkClick r:id="rId2"/>
+              </a:rPr>
+              <a:t>alun.hughes@ucl.ac.uk</a:t>
+            </a:r>
+            <a:endParaRPr lang="en-GB" dirty="0"/>
+          </a:p>
+          <a:p>
+            <a:pPr algn="r"/>
+            <a:r>
+              <a:rPr lang="en-GB" dirty="0">
+                <a:hlinkClick r:id="rId3"/>
+              </a:rPr>
+              <a:t>https://github.com/adh30</a:t>
+            </a:r>
+            <a:r>
+              <a:rPr lang="en-GB" dirty="0"/>
+              <a:t> </a:t>
+            </a:r>
+          </a:p>
+        </p:txBody>
+      </p:sp>
     </p:spTree>
     <p:extLst>
       <p:ext uri="{BB962C8B-B14F-4D97-AF65-F5344CB8AC3E}">
@@ -5379,7 +5478,7 @@
         </p:spPr>
         <p:txBody>
           <a:bodyPr>
-            <a:normAutofit lnSpcReduction="10000"/>
+            <a:normAutofit fontScale="92500" lnSpcReduction="10000"/>
           </a:bodyPr>
           <a:lstStyle/>
           <a:p>
@@ -5440,6 +5539,23 @@
             <a:r>
               <a:rPr lang="en-US" dirty="0"/>
               <a:t>)]</a:t>
+            </a:r>
+          </a:p>
+          <a:p>
+            <a:pPr lvl="1"/>
+            <a:r>
+              <a:rPr lang="en-US" dirty="0"/>
+              <a:t>a very simple example is available at </a:t>
+            </a:r>
+            <a:r>
+              <a:rPr lang="en-US" dirty="0">
+                <a:hlinkClick r:id="rId2"/>
+              </a:rPr>
+              <a:t>https://github.com/adh30/HDRUK_2024/blob/main/hdruk_eg1.do</a:t>
+            </a:r>
+            <a:r>
+              <a:rPr lang="en-US" dirty="0"/>
+              <a:t> </a:t>
             </a:r>
           </a:p>
           <a:p>
@@ -5586,7 +5702,7 @@
             </a:r>
             <a:r>
               <a:rPr lang="en-US" dirty="0">
-                <a:hlinkClick r:id="rId2"/>
+                <a:hlinkClick r:id="rId3"/>
               </a:rPr>
               <a:t>https://github.com/adh30/StataTablesPublic</a:t>
             </a:r>
@@ -6153,61 +6269,6 @@
     <p:extLst>
       <p:ext uri="{BB962C8B-B14F-4D97-AF65-F5344CB8AC3E}">
         <p14:creationId xmlns:p14="http://schemas.microsoft.com/office/powerpoint/2010/main" val="3290571964"/>
-      </p:ext>
-    </p:extLst>
-  </p:cSld>
-  <p:clrMapOvr>
-    <a:masterClrMapping/>
-  </p:clrMapOvr>
-</p:sld>
-</file>
-
-<file path=ppt/slides/slide13.xml><?xml version="1.0" encoding="utf-8"?>
-<p:sld xmlns:a="http://schemas.openxmlformats.org/drawingml/2006/main" xmlns:r="http://schemas.openxmlformats.org/officeDocument/2006/relationships" xmlns:p="http://schemas.openxmlformats.org/presentationml/2006/main">
-  <p:cSld>
-    <p:spTree>
-      <p:nvGrpSpPr>
-        <p:cNvPr id="1" name=""/>
-        <p:cNvGrpSpPr/>
-        <p:nvPr/>
-      </p:nvGrpSpPr>
-      <p:grpSpPr>
-        <a:xfrm>
-          <a:off x="0" y="0"/>
-          <a:ext cx="0" cy="0"/>
-          <a:chOff x="0" y="0"/>
-          <a:chExt cx="0" cy="0"/>
-        </a:xfrm>
-      </p:grpSpPr>
-      <p:sp>
-        <p:nvSpPr>
-          <p:cNvPr id="4" name="Title 3">
-            <a:extLst>
-              <a:ext uri="{FF2B5EF4-FFF2-40B4-BE49-F238E27FC236}">
-                <a16:creationId xmlns:a16="http://schemas.microsoft.com/office/drawing/2014/main" id="{7D72B1AD-A998-3D63-50EB-7823914B1F3C}"/>
-              </a:ext>
-            </a:extLst>
-          </p:cNvPr>
-          <p:cNvSpPr>
-            <a:spLocks noGrp="1"/>
-          </p:cNvSpPr>
-          <p:nvPr>
-            <p:ph type="title"/>
-          </p:nvPr>
-        </p:nvSpPr>
-        <p:spPr/>
-        <p:txBody>
-          <a:bodyPr/>
-          <a:lstStyle/>
-          <a:p>
-            <a:endParaRPr lang="en-GB"/>
-          </a:p>
-        </p:txBody>
-      </p:sp>
-    </p:spTree>
-    <p:extLst>
-      <p:ext uri="{BB962C8B-B14F-4D97-AF65-F5344CB8AC3E}">
-        <p14:creationId xmlns:p14="http://schemas.microsoft.com/office/powerpoint/2010/main" val="2109648027"/>
       </p:ext>
     </p:extLst>
   </p:cSld>
@@ -8507,7 +8568,7 @@
                   <a:srgbClr val="0B76A0"/>
                 </a:solidFill>
               </a:rPr>
-              <a:t>Planning work</a:t>
+              <a:t>Planning your work</a:t>
             </a:r>
           </a:p>
           <a:p>
@@ -8518,7 +8579,7 @@
                   <a:srgbClr val="0B76A0"/>
                 </a:solidFill>
               </a:rPr>
-              <a:t>Documenting activities</a:t>
+              <a:t>Documenting your activities</a:t>
             </a:r>
           </a:p>
           <a:p>
@@ -8529,7 +8590,7 @@
                   <a:srgbClr val="0B76A0"/>
                 </a:solidFill>
               </a:rPr>
-              <a:t>Creating and verifying data</a:t>
+              <a:t>Creating and verifying your data</a:t>
             </a:r>
           </a:p>
           <a:p>
@@ -8540,7 +8601,7 @@
                   <a:srgbClr val="0B76A0"/>
                 </a:solidFill>
               </a:rPr>
-              <a:t>Generating and presenting statistical analyses reproducibly</a:t>
+              <a:t>Generating and presenting your statistical analyses reproducibly</a:t>
             </a:r>
           </a:p>
           <a:p>
@@ -8937,7 +8998,7 @@
           <a:p>
             <a:r>
               <a:rPr lang="en-US" sz="1600" dirty="0"/>
-              <a:t>This example was generated in Stata using the command</a:t>
+              <a:t>This example was generated in Stata using the command:</a:t>
             </a:r>
           </a:p>
         </p:txBody>
@@ -8978,42 +9039,42 @@
               <a:t>. </a:t>
             </a:r>
             <a:r>
-              <a:rPr lang="en-GB" sz="1600" dirty="0" err="1">
+              <a:rPr lang="en-GB" sz="1400" dirty="0" err="1">
                 <a:latin typeface="Courier New" panose="02070309020205020404" pitchFamily="49" charset="0"/>
                 <a:cs typeface="Courier New" panose="02070309020205020404" pitchFamily="49" charset="0"/>
               </a:rPr>
               <a:t>mkproject</a:t>
             </a:r>
             <a:r>
-              <a:rPr lang="en-GB" sz="1600" dirty="0">
+              <a:rPr lang="en-GB" sz="1400" dirty="0">
                 <a:latin typeface="Courier New" panose="02070309020205020404" pitchFamily="49" charset="0"/>
                 <a:cs typeface="Courier New" panose="02070309020205020404" pitchFamily="49" charset="0"/>
               </a:rPr>
               <a:t> foo, </a:t>
             </a:r>
             <a:r>
-              <a:rPr lang="en-GB" sz="1600" dirty="0" err="1">
+              <a:rPr lang="en-GB" sz="1400" dirty="0" err="1">
                 <a:latin typeface="Courier New" panose="02070309020205020404" pitchFamily="49" charset="0"/>
                 <a:cs typeface="Courier New" panose="02070309020205020404" pitchFamily="49" charset="0"/>
               </a:rPr>
               <a:t>dir</a:t>
             </a:r>
             <a:r>
-              <a:rPr lang="en-GB" sz="1600" dirty="0">
+              <a:rPr lang="en-GB" sz="1400" dirty="0">
                 <a:latin typeface="Courier New" panose="02070309020205020404" pitchFamily="49" charset="0"/>
                 <a:cs typeface="Courier New" panose="02070309020205020404" pitchFamily="49" charset="0"/>
               </a:rPr>
               <a:t>(C:\Users\</a:t>
             </a:r>
             <a:r>
-              <a:rPr lang="en-GB" sz="1600" dirty="0" err="1">
+              <a:rPr lang="en-GB" sz="1400" dirty="0" err="1">
                 <a:latin typeface="Courier New" panose="02070309020205020404" pitchFamily="49" charset="0"/>
                 <a:cs typeface="Courier New" panose="02070309020205020404" pitchFamily="49" charset="0"/>
               </a:rPr>
               <a:t>rmgpadh</a:t>
             </a:r>
             <a:r>
-              <a:rPr lang="en-GB" sz="1600" dirty="0">
+              <a:rPr lang="en-GB" sz="1400" dirty="0">
                 <a:latin typeface="Courier New" panose="02070309020205020404" pitchFamily="49" charset="0"/>
                 <a:cs typeface="Courier New" panose="02070309020205020404" pitchFamily="49" charset="0"/>
               </a:rPr>
@@ -9493,7 +9554,7 @@
         <p:spPr>
           <a:xfrm>
             <a:off x="1182329" y="5686124"/>
-            <a:ext cx="11186652" cy="369332"/>
+            <a:ext cx="11186652" cy="307777"/>
           </a:xfrm>
           <a:prstGeom prst="rect">
             <a:avLst/>
@@ -9507,20 +9568,20 @@
           <a:lstStyle/>
           <a:p>
             <a:r>
-              <a:rPr lang="en-GB" dirty="0">
+              <a:rPr lang="en-GB" sz="1400" dirty="0">
                 <a:latin typeface="Courier New" panose="02070309020205020404" pitchFamily="49" charset="0"/>
                 <a:cs typeface="Courier New" panose="02070309020205020404" pitchFamily="49" charset="0"/>
               </a:rPr>
               <a:t>. </a:t>
             </a:r>
             <a:r>
-              <a:rPr lang="nl-NL" sz="1600" dirty="0">
+              <a:rPr lang="nl-NL" sz="1400" dirty="0">
                 <a:latin typeface="Courier New" panose="02070309020205020404" pitchFamily="49" charset="0"/>
                 <a:cs typeface="Courier New" panose="02070309020205020404" pitchFamily="49" charset="0"/>
               </a:rPr>
               <a:t>net install mkproject, from("https://raw.githubusercontent.com/adh30/mkproject/main")</a:t>
             </a:r>
-            <a:endParaRPr lang="en-GB" dirty="0">
+            <a:endParaRPr lang="en-GB" sz="1400" dirty="0">
               <a:latin typeface="Courier New" panose="02070309020205020404" pitchFamily="49" charset="0"/>
               <a:cs typeface="Courier New" panose="02070309020205020404" pitchFamily="49" charset="0"/>
             </a:endParaRPr>
@@ -9579,7 +9640,7 @@
             </a:r>
             <a:r>
               <a:rPr lang="en-US" sz="1600" dirty="0"/>
-              <a:t>) , it can be installed in Stata using </a:t>
+              <a:t>) , it can be installed in Stata using: </a:t>
             </a:r>
           </a:p>
         </p:txBody>
@@ -9598,8 +9659,8 @@
         </p:nvSpPr>
         <p:spPr>
           <a:xfrm>
-            <a:off x="444910" y="5997764"/>
-            <a:ext cx="10990006" cy="584775"/>
+            <a:off x="444910" y="5941778"/>
+            <a:ext cx="10990006" cy="830997"/>
           </a:xfrm>
           <a:prstGeom prst="rect">
             <a:avLst/>
@@ -9632,7 +9693,17 @@
             </a:r>
             <a:r>
               <a:rPr lang="en-US" sz="1600" dirty="0"/>
-              <a:t>  but you can easily create or modify existing templates to customize the folder structure. </a:t>
+              <a:t>  but you can easily create or modify existing templates to customize the folder structure. The do file to create this folder structure is at </a:t>
+            </a:r>
+            <a:r>
+              <a:rPr lang="en-US" sz="1600" dirty="0">
+                <a:hlinkClick r:id="rId6"/>
+              </a:rPr>
+              <a:t>https://github.com/adh30/HDRUK_2024</a:t>
+            </a:r>
+            <a:r>
+              <a:rPr lang="en-US" sz="1600" dirty="0"/>
+              <a:t> (hdruk_mkproj.do)</a:t>
             </a:r>
             <a:endParaRPr lang="en-GB" sz="1600" dirty="0"/>
           </a:p>

--- a/Reproducible_workflows_in_Stata_1.pptx
+++ b/Reproducible_workflows_in_Stata_1.pptx
@@ -140,7 +140,7 @@
 <file path=ppt/revisionInfo.xml><?xml version="1.0" encoding="utf-8"?>
 <p1510:revInfo xmlns:a="http://schemas.openxmlformats.org/drawingml/2006/main" xmlns:r="http://schemas.openxmlformats.org/officeDocument/2006/relationships" xmlns:p1510="http://schemas.microsoft.com/office/powerpoint/2015/10/main">
   <p1510:revLst>
-    <p1510:client id="{89292745-C113-414A-83F6-665937AB26C7}" v="45" dt="2024-07-08T18:31:25.881"/>
+    <p1510:client id="{89292745-C113-414A-83F6-665937AB26C7}" v="47" dt="2024-07-09T08:52:08.067"/>
   </p1510:revLst>
 </p1510:revInfo>
 </file>
@@ -150,12 +150,12 @@
   <pc:docChgLst>
     <pc:chgData name="Hughes, Alun" userId="81d6dbdb-f4e2-4bbf-862a-a384df869129" providerId="ADAL" clId="{89292745-C113-414A-83F6-665937AB26C7}"/>
     <pc:docChg chg="undo custSel addSld delSld modSld sldOrd modMainMaster">
-      <pc:chgData name="Hughes, Alun" userId="81d6dbdb-f4e2-4bbf-862a-a384df869129" providerId="ADAL" clId="{89292745-C113-414A-83F6-665937AB26C7}" dt="2024-07-08T18:31:25.877" v="3104" actId="20577"/>
+      <pc:chgData name="Hughes, Alun" userId="81d6dbdb-f4e2-4bbf-862a-a384df869129" providerId="ADAL" clId="{89292745-C113-414A-83F6-665937AB26C7}" dt="2024-07-09T08:53:17.556" v="3714" actId="114"/>
       <pc:docMkLst>
         <pc:docMk/>
       </pc:docMkLst>
       <pc:sldChg chg="addSp modSp mod">
-        <pc:chgData name="Hughes, Alun" userId="81d6dbdb-f4e2-4bbf-862a-a384df869129" providerId="ADAL" clId="{89292745-C113-414A-83F6-665937AB26C7}" dt="2024-07-08T18:23:13.828" v="2918" actId="1076"/>
+        <pc:chgData name="Hughes, Alun" userId="81d6dbdb-f4e2-4bbf-862a-a384df869129" providerId="ADAL" clId="{89292745-C113-414A-83F6-665937AB26C7}" dt="2024-07-09T08:53:17.556" v="3714" actId="114"/>
         <pc:sldMkLst>
           <pc:docMk/>
           <pc:sldMk cId="4193300258" sldId="256"/>
@@ -169,7 +169,7 @@
           </ac:spMkLst>
         </pc:spChg>
         <pc:spChg chg="mod">
-          <ac:chgData name="Hughes, Alun" userId="81d6dbdb-f4e2-4bbf-862a-a384df869129" providerId="ADAL" clId="{89292745-C113-414A-83F6-665937AB26C7}" dt="2024-07-08T16:49:12.645" v="794"/>
+          <ac:chgData name="Hughes, Alun" userId="81d6dbdb-f4e2-4bbf-862a-a384df869129" providerId="ADAL" clId="{89292745-C113-414A-83F6-665937AB26C7}" dt="2024-07-09T08:53:17.556" v="3714" actId="114"/>
           <ac:spMkLst>
             <pc:docMk/>
             <pc:sldMk cId="4193300258" sldId="256"/>
@@ -186,7 +186,7 @@
         </pc:spChg>
       </pc:sldChg>
       <pc:sldChg chg="modSp mod">
-        <pc:chgData name="Hughes, Alun" userId="81d6dbdb-f4e2-4bbf-862a-a384df869129" providerId="ADAL" clId="{89292745-C113-414A-83F6-665937AB26C7}" dt="2024-07-08T18:09:48.151" v="2755" actId="255"/>
+        <pc:chgData name="Hughes, Alun" userId="81d6dbdb-f4e2-4bbf-862a-a384df869129" providerId="ADAL" clId="{89292745-C113-414A-83F6-665937AB26C7}" dt="2024-07-09T08:49:51.940" v="3652" actId="27636"/>
         <pc:sldMkLst>
           <pc:docMk/>
           <pc:sldMk cId="10936610" sldId="257"/>
@@ -200,7 +200,7 @@
           </ac:spMkLst>
         </pc:spChg>
         <pc:spChg chg="mod">
-          <ac:chgData name="Hughes, Alun" userId="81d6dbdb-f4e2-4bbf-862a-a384df869129" providerId="ADAL" clId="{89292745-C113-414A-83F6-665937AB26C7}" dt="2024-07-08T18:09:48.151" v="2755" actId="255"/>
+          <ac:chgData name="Hughes, Alun" userId="81d6dbdb-f4e2-4bbf-862a-a384df869129" providerId="ADAL" clId="{89292745-C113-414A-83F6-665937AB26C7}" dt="2024-07-09T08:49:51.940" v="3652" actId="27636"/>
           <ac:spMkLst>
             <pc:docMk/>
             <pc:sldMk cId="10936610" sldId="257"/>
@@ -209,7 +209,7 @@
         </pc:spChg>
       </pc:sldChg>
       <pc:sldChg chg="modSp mod">
-        <pc:chgData name="Hughes, Alun" userId="81d6dbdb-f4e2-4bbf-862a-a384df869129" providerId="ADAL" clId="{89292745-C113-414A-83F6-665937AB26C7}" dt="2024-07-08T18:20:11.460" v="2879" actId="6549"/>
+        <pc:chgData name="Hughes, Alun" userId="81d6dbdb-f4e2-4bbf-862a-a384df869129" providerId="ADAL" clId="{89292745-C113-414A-83F6-665937AB26C7}" dt="2024-07-09T08:48:01.037" v="3635" actId="255"/>
         <pc:sldMkLst>
           <pc:docMk/>
           <pc:sldMk cId="3290571964" sldId="258"/>
@@ -223,7 +223,7 @@
           </ac:spMkLst>
         </pc:spChg>
         <pc:spChg chg="mod">
-          <ac:chgData name="Hughes, Alun" userId="81d6dbdb-f4e2-4bbf-862a-a384df869129" providerId="ADAL" clId="{89292745-C113-414A-83F6-665937AB26C7}" dt="2024-07-08T18:20:11.460" v="2879" actId="6549"/>
+          <ac:chgData name="Hughes, Alun" userId="81d6dbdb-f4e2-4bbf-862a-a384df869129" providerId="ADAL" clId="{89292745-C113-414A-83F6-665937AB26C7}" dt="2024-07-09T08:48:01.037" v="3635" actId="255"/>
           <ac:spMkLst>
             <pc:docMk/>
             <pc:sldMk cId="3290571964" sldId="258"/>
@@ -231,8 +231,8 @@
           </ac:spMkLst>
         </pc:spChg>
       </pc:sldChg>
-      <pc:sldChg chg="modSp mod">
-        <pc:chgData name="Hughes, Alun" userId="81d6dbdb-f4e2-4bbf-862a-a384df869129" providerId="ADAL" clId="{89292745-C113-414A-83F6-665937AB26C7}" dt="2024-07-08T18:07:15.807" v="2722" actId="108"/>
+      <pc:sldChg chg="modSp mod modAnim">
+        <pc:chgData name="Hughes, Alun" userId="81d6dbdb-f4e2-4bbf-862a-a384df869129" providerId="ADAL" clId="{89292745-C113-414A-83F6-665937AB26C7}" dt="2024-07-09T08:29:19.527" v="3271"/>
         <pc:sldMkLst>
           <pc:docMk/>
           <pc:sldMk cId="4059232125" sldId="260"/>
@@ -247,7 +247,7 @@
         </pc:spChg>
       </pc:sldChg>
       <pc:sldChg chg="modSp mod">
-        <pc:chgData name="Hughes, Alun" userId="81d6dbdb-f4e2-4bbf-862a-a384df869129" providerId="ADAL" clId="{89292745-C113-414A-83F6-665937AB26C7}" dt="2024-07-08T18:31:25.877" v="3104" actId="20577"/>
+        <pc:chgData name="Hughes, Alun" userId="81d6dbdb-f4e2-4bbf-862a-a384df869129" providerId="ADAL" clId="{89292745-C113-414A-83F6-665937AB26C7}" dt="2024-07-09T08:49:20.875" v="3650" actId="255"/>
         <pc:sldMkLst>
           <pc:docMk/>
           <pc:sldMk cId="3014174973" sldId="262"/>
@@ -261,11 +261,19 @@
           </ac:spMkLst>
         </pc:spChg>
         <pc:spChg chg="mod">
-          <ac:chgData name="Hughes, Alun" userId="81d6dbdb-f4e2-4bbf-862a-a384df869129" providerId="ADAL" clId="{89292745-C113-414A-83F6-665937AB26C7}" dt="2024-07-08T18:31:25.877" v="3104" actId="20577"/>
+          <ac:chgData name="Hughes, Alun" userId="81d6dbdb-f4e2-4bbf-862a-a384df869129" providerId="ADAL" clId="{89292745-C113-414A-83F6-665937AB26C7}" dt="2024-07-09T08:49:20.875" v="3650" actId="255"/>
           <ac:spMkLst>
             <pc:docMk/>
             <pc:sldMk cId="3014174973" sldId="262"/>
             <ac:spMk id="3" creationId="{773E6A37-D220-3C04-1EC2-61B4658ABE66}"/>
+          </ac:spMkLst>
+        </pc:spChg>
+        <pc:spChg chg="mod">
+          <ac:chgData name="Hughes, Alun" userId="81d6dbdb-f4e2-4bbf-862a-a384df869129" providerId="ADAL" clId="{89292745-C113-414A-83F6-665937AB26C7}" dt="2024-07-09T08:48:26.573" v="3637" actId="255"/>
+          <ac:spMkLst>
+            <pc:docMk/>
+            <pc:sldMk cId="3014174973" sldId="262"/>
+            <ac:spMk id="4" creationId="{4D12CBE1-B739-17F9-0A26-AAF22D96786A}"/>
           </ac:spMkLst>
         </pc:spChg>
       </pc:sldChg>
@@ -341,7 +349,7 @@
         </pc:cxnChg>
       </pc:sldChg>
       <pc:sldChg chg="modSp mod">
-        <pc:chgData name="Hughes, Alun" userId="81d6dbdb-f4e2-4bbf-862a-a384df869129" providerId="ADAL" clId="{89292745-C113-414A-83F6-665937AB26C7}" dt="2024-07-08T18:07:14.292" v="2721" actId="108"/>
+        <pc:chgData name="Hughes, Alun" userId="81d6dbdb-f4e2-4bbf-862a-a384df869129" providerId="ADAL" clId="{89292745-C113-414A-83F6-665937AB26C7}" dt="2024-07-09T08:33:32.384" v="3291" actId="20577"/>
         <pc:sldMkLst>
           <pc:docMk/>
           <pc:sldMk cId="1937431870" sldId="264"/>
@@ -355,7 +363,7 @@
           </ac:spMkLst>
         </pc:spChg>
         <pc:spChg chg="mod">
-          <ac:chgData name="Hughes, Alun" userId="81d6dbdb-f4e2-4bbf-862a-a384df869129" providerId="ADAL" clId="{89292745-C113-414A-83F6-665937AB26C7}" dt="2024-07-08T17:55:30.276" v="2439" actId="255"/>
+          <ac:chgData name="Hughes, Alun" userId="81d6dbdb-f4e2-4bbf-862a-a384df869129" providerId="ADAL" clId="{89292745-C113-414A-83F6-665937AB26C7}" dt="2024-07-09T08:33:32.384" v="3291" actId="20577"/>
           <ac:spMkLst>
             <pc:docMk/>
             <pc:sldMk cId="1937431870" sldId="264"/>
@@ -364,7 +372,7 @@
         </pc:spChg>
       </pc:sldChg>
       <pc:sldChg chg="modSp mod">
-        <pc:chgData name="Hughes, Alun" userId="81d6dbdb-f4e2-4bbf-862a-a384df869129" providerId="ADAL" clId="{89292745-C113-414A-83F6-665937AB26C7}" dt="2024-07-08T18:14:41.705" v="2777" actId="6549"/>
+        <pc:chgData name="Hughes, Alun" userId="81d6dbdb-f4e2-4bbf-862a-a384df869129" providerId="ADAL" clId="{89292745-C113-414A-83F6-665937AB26C7}" dt="2024-07-09T08:45:43.824" v="3534" actId="20577"/>
         <pc:sldMkLst>
           <pc:docMk/>
           <pc:sldMk cId="2570490978" sldId="265"/>
@@ -378,7 +386,7 @@
           </ac:spMkLst>
         </pc:spChg>
         <pc:spChg chg="mod">
-          <ac:chgData name="Hughes, Alun" userId="81d6dbdb-f4e2-4bbf-862a-a384df869129" providerId="ADAL" clId="{89292745-C113-414A-83F6-665937AB26C7}" dt="2024-07-08T18:14:41.705" v="2777" actId="6549"/>
+          <ac:chgData name="Hughes, Alun" userId="81d6dbdb-f4e2-4bbf-862a-a384df869129" providerId="ADAL" clId="{89292745-C113-414A-83F6-665937AB26C7}" dt="2024-07-09T08:45:43.824" v="3534" actId="20577"/>
           <ac:spMkLst>
             <pc:docMk/>
             <pc:sldMk cId="2570490978" sldId="265"/>
@@ -410,7 +418,7 @@
         </pc:spChg>
       </pc:sldChg>
       <pc:sldChg chg="addSp modSp new mod">
-        <pc:chgData name="Hughes, Alun" userId="81d6dbdb-f4e2-4bbf-862a-a384df869129" providerId="ADAL" clId="{89292745-C113-414A-83F6-665937AB26C7}" dt="2024-07-08T18:06:59.542" v="2715" actId="108"/>
+        <pc:chgData name="Hughes, Alun" userId="81d6dbdb-f4e2-4bbf-862a-a384df869129" providerId="ADAL" clId="{89292745-C113-414A-83F6-665937AB26C7}" dt="2024-07-09T08:50:43.488" v="3662" actId="20577"/>
         <pc:sldMkLst>
           <pc:docMk/>
           <pc:sldMk cId="2910299000" sldId="267"/>
@@ -480,7 +488,7 @@
           </ac:spMkLst>
         </pc:spChg>
         <pc:spChg chg="add mod">
-          <ac:chgData name="Hughes, Alun" userId="81d6dbdb-f4e2-4bbf-862a-a384df869129" providerId="ADAL" clId="{89292745-C113-414A-83F6-665937AB26C7}" dt="2024-07-08T16:52:07.631" v="824" actId="207"/>
+          <ac:chgData name="Hughes, Alun" userId="81d6dbdb-f4e2-4bbf-862a-a384df869129" providerId="ADAL" clId="{89292745-C113-414A-83F6-665937AB26C7}" dt="2024-07-09T08:50:43.488" v="3662" actId="20577"/>
           <ac:spMkLst>
             <pc:docMk/>
             <pc:sldMk cId="2910299000" sldId="267"/>
@@ -624,8 +632,8 @@
           </ac:cxnSpMkLst>
         </pc:cxnChg>
       </pc:sldChg>
-      <pc:sldChg chg="addSp modSp new mod ord">
-        <pc:chgData name="Hughes, Alun" userId="81d6dbdb-f4e2-4bbf-862a-a384df869129" providerId="ADAL" clId="{89292745-C113-414A-83F6-665937AB26C7}" dt="2024-07-08T18:06:55.035" v="2714" actId="27636"/>
+      <pc:sldChg chg="addSp delSp modSp new mod ord">
+        <pc:chgData name="Hughes, Alun" userId="81d6dbdb-f4e2-4bbf-862a-a384df869129" providerId="ADAL" clId="{89292745-C113-414A-83F6-665937AB26C7}" dt="2024-07-09T08:52:57.328" v="3713" actId="1035"/>
         <pc:sldMkLst>
           <pc:docMk/>
           <pc:sldMk cId="3383395110" sldId="268"/>
@@ -639,7 +647,15 @@
           </ac:spMkLst>
         </pc:spChg>
         <pc:spChg chg="add mod">
-          <ac:chgData name="Hughes, Alun" userId="81d6dbdb-f4e2-4bbf-862a-a384df869129" providerId="ADAL" clId="{89292745-C113-414A-83F6-665937AB26C7}" dt="2024-07-08T16:56:04.504" v="882" actId="555"/>
+          <ac:chgData name="Hughes, Alun" userId="81d6dbdb-f4e2-4bbf-862a-a384df869129" providerId="ADAL" clId="{89292745-C113-414A-83F6-665937AB26C7}" dt="2024-07-09T08:52:22.608" v="3692" actId="12788"/>
+          <ac:spMkLst>
+            <pc:docMk/>
+            <pc:sldMk cId="3383395110" sldId="268"/>
+            <ac:spMk id="6" creationId="{F914F47B-D71D-DE8F-6699-64F0798F7073}"/>
+          </ac:spMkLst>
+        </pc:spChg>
+        <pc:spChg chg="add mod">
+          <ac:chgData name="Hughes, Alun" userId="81d6dbdb-f4e2-4bbf-862a-a384df869129" providerId="ADAL" clId="{89292745-C113-414A-83F6-665937AB26C7}" dt="2024-07-09T08:52:42.045" v="3693" actId="255"/>
           <ac:spMkLst>
             <pc:docMk/>
             <pc:sldMk cId="3383395110" sldId="268"/>
@@ -647,15 +663,15 @@
           </ac:spMkLst>
         </pc:spChg>
         <pc:spChg chg="add mod">
-          <ac:chgData name="Hughes, Alun" userId="81d6dbdb-f4e2-4bbf-862a-a384df869129" providerId="ADAL" clId="{89292745-C113-414A-83F6-665937AB26C7}" dt="2024-07-08T16:56:30.791" v="897" actId="1076"/>
+          <ac:chgData name="Hughes, Alun" userId="81d6dbdb-f4e2-4bbf-862a-a384df869129" providerId="ADAL" clId="{89292745-C113-414A-83F6-665937AB26C7}" dt="2024-07-09T08:52:48.231" v="3704" actId="1036"/>
           <ac:spMkLst>
             <pc:docMk/>
             <pc:sldMk cId="3383395110" sldId="268"/>
             <ac:spMk id="8" creationId="{2773BC81-F0FC-117D-936F-11F6C92407A0}"/>
           </ac:spMkLst>
         </pc:spChg>
-        <pc:picChg chg="add mod">
-          <ac:chgData name="Hughes, Alun" userId="81d6dbdb-f4e2-4bbf-862a-a384df869129" providerId="ADAL" clId="{89292745-C113-414A-83F6-665937AB26C7}" dt="2024-07-08T16:56:04.504" v="882" actId="555"/>
+        <pc:picChg chg="add del mod">
+          <ac:chgData name="Hughes, Alun" userId="81d6dbdb-f4e2-4bbf-862a-a384df869129" providerId="ADAL" clId="{89292745-C113-414A-83F6-665937AB26C7}" dt="2024-07-09T08:52:03.835" v="3688" actId="478"/>
           <ac:picMkLst>
             <pc:docMk/>
             <pc:sldMk cId="3383395110" sldId="268"/>
@@ -663,11 +679,19 @@
           </ac:picMkLst>
         </pc:picChg>
         <pc:picChg chg="add mod">
-          <ac:chgData name="Hughes, Alun" userId="81d6dbdb-f4e2-4bbf-862a-a384df869129" providerId="ADAL" clId="{89292745-C113-414A-83F6-665937AB26C7}" dt="2024-07-08T16:55:52.648" v="865" actId="1037"/>
+          <ac:chgData name="Hughes, Alun" userId="81d6dbdb-f4e2-4bbf-862a-a384df869129" providerId="ADAL" clId="{89292745-C113-414A-83F6-665937AB26C7}" dt="2024-07-09T08:52:57.328" v="3713" actId="1035"/>
           <ac:picMkLst>
             <pc:docMk/>
             <pc:sldMk cId="3383395110" sldId="268"/>
             <ac:picMk id="5" creationId="{69A66BCA-9257-DADC-28FF-582C02502AFF}"/>
+          </ac:picMkLst>
+        </pc:picChg>
+        <pc:picChg chg="add mod">
+          <ac:chgData name="Hughes, Alun" userId="81d6dbdb-f4e2-4bbf-862a-a384df869129" providerId="ADAL" clId="{89292745-C113-414A-83F6-665937AB26C7}" dt="2024-07-09T08:52:22.608" v="3692" actId="12788"/>
+          <ac:picMkLst>
+            <pc:docMk/>
+            <pc:sldMk cId="3383395110" sldId="268"/>
+            <ac:picMk id="9" creationId="{8068147D-9D80-B3DB-B959-2E9FB000ABA0}"/>
           </ac:picMkLst>
         </pc:picChg>
       </pc:sldChg>
@@ -1653,7 +1677,7 @@
           <a:p>
             <a:fld id="{EDB4840C-9797-404E-9DDA-20FD90C502F4}" type="datetimeFigureOut">
               <a:rPr lang="en-GB" smtClean="0"/>
-              <a:t>08/07/2024</a:t>
+              <a:t>09/07/2024</a:t>
             </a:fld>
             <a:endParaRPr lang="en-GB"/>
           </a:p>
@@ -2154,7 +2178,7 @@
           <a:p>
             <a:fld id="{9CDAA14B-0280-426C-A278-2B56D3FE9620}" type="datetimeFigureOut">
               <a:rPr lang="en-GB" smtClean="0"/>
-              <a:t>08/07/2024</a:t>
+              <a:t>09/07/2024</a:t>
             </a:fld>
             <a:endParaRPr lang="en-GB"/>
           </a:p>
@@ -2354,7 +2378,7 @@
           <a:p>
             <a:fld id="{9CDAA14B-0280-426C-A278-2B56D3FE9620}" type="datetimeFigureOut">
               <a:rPr lang="en-GB" smtClean="0"/>
-              <a:t>08/07/2024</a:t>
+              <a:t>09/07/2024</a:t>
             </a:fld>
             <a:endParaRPr lang="en-GB"/>
           </a:p>
@@ -2564,7 +2588,7 @@
           <a:p>
             <a:fld id="{9CDAA14B-0280-426C-A278-2B56D3FE9620}" type="datetimeFigureOut">
               <a:rPr lang="en-GB" smtClean="0"/>
-              <a:t>08/07/2024</a:t>
+              <a:t>09/07/2024</a:t>
             </a:fld>
             <a:endParaRPr lang="en-GB"/>
           </a:p>
@@ -2764,7 +2788,7 @@
           <a:p>
             <a:fld id="{9CDAA14B-0280-426C-A278-2B56D3FE9620}" type="datetimeFigureOut">
               <a:rPr lang="en-GB" smtClean="0"/>
-              <a:t>08/07/2024</a:t>
+              <a:t>09/07/2024</a:t>
             </a:fld>
             <a:endParaRPr lang="en-GB"/>
           </a:p>
@@ -3040,7 +3064,7 @@
           <a:p>
             <a:fld id="{9CDAA14B-0280-426C-A278-2B56D3FE9620}" type="datetimeFigureOut">
               <a:rPr lang="en-GB" smtClean="0"/>
-              <a:t>08/07/2024</a:t>
+              <a:t>09/07/2024</a:t>
             </a:fld>
             <a:endParaRPr lang="en-GB"/>
           </a:p>
@@ -3308,7 +3332,7 @@
           <a:p>
             <a:fld id="{9CDAA14B-0280-426C-A278-2B56D3FE9620}" type="datetimeFigureOut">
               <a:rPr lang="en-GB" smtClean="0"/>
-              <a:t>08/07/2024</a:t>
+              <a:t>09/07/2024</a:t>
             </a:fld>
             <a:endParaRPr lang="en-GB"/>
           </a:p>
@@ -3723,7 +3747,7 @@
           <a:p>
             <a:fld id="{9CDAA14B-0280-426C-A278-2B56D3FE9620}" type="datetimeFigureOut">
               <a:rPr lang="en-GB" smtClean="0"/>
-              <a:t>08/07/2024</a:t>
+              <a:t>09/07/2024</a:t>
             </a:fld>
             <a:endParaRPr lang="en-GB"/>
           </a:p>
@@ -3865,7 +3889,7 @@
           <a:p>
             <a:fld id="{9CDAA14B-0280-426C-A278-2B56D3FE9620}" type="datetimeFigureOut">
               <a:rPr lang="en-GB" smtClean="0"/>
-              <a:t>08/07/2024</a:t>
+              <a:t>09/07/2024</a:t>
             </a:fld>
             <a:endParaRPr lang="en-GB"/>
           </a:p>
@@ -3978,7 +4002,7 @@
           <a:p>
             <a:fld id="{9CDAA14B-0280-426C-A278-2B56D3FE9620}" type="datetimeFigureOut">
               <a:rPr lang="en-GB" smtClean="0"/>
-              <a:t>08/07/2024</a:t>
+              <a:t>09/07/2024</a:t>
             </a:fld>
             <a:endParaRPr lang="en-GB"/>
           </a:p>
@@ -4291,7 +4315,7 @@
           <a:p>
             <a:fld id="{9CDAA14B-0280-426C-A278-2B56D3FE9620}" type="datetimeFigureOut">
               <a:rPr lang="en-GB" smtClean="0"/>
-              <a:t>08/07/2024</a:t>
+              <a:t>09/07/2024</a:t>
             </a:fld>
             <a:endParaRPr lang="en-GB"/>
           </a:p>
@@ -4580,7 +4604,7 @@
           <a:p>
             <a:fld id="{9CDAA14B-0280-426C-A278-2B56D3FE9620}" type="datetimeFigureOut">
               <a:rPr lang="en-GB" smtClean="0"/>
-              <a:t>08/07/2024</a:t>
+              <a:t>09/07/2024</a:t>
             </a:fld>
             <a:endParaRPr lang="en-GB"/>
           </a:p>
@@ -4825,7 +4849,7 @@
             <a:fld id="{9CDAA14B-0280-426C-A278-2B56D3FE9620}" type="datetimeFigureOut">
               <a:rPr lang="en-GB" smtClean="0"/>
               <a:pPr/>
-              <a:t>08/07/2024</a:t>
+              <a:t>09/07/2024</a:t>
             </a:fld>
             <a:endParaRPr lang="en-GB"/>
           </a:p>
@@ -5308,7 +5332,7 @@
           <a:lstStyle/>
           <a:p>
             <a:r>
-              <a:rPr lang="en-US" dirty="0"/>
+              <a:rPr lang="en-US" i="1" dirty="0"/>
               <a:t>A personal perspective borrowing heavily from Scott Long</a:t>
             </a:r>
           </a:p>
@@ -5472,167 +5496,167 @@
         </p:nvSpPr>
         <p:spPr>
           <a:xfrm>
-            <a:off x="838200" y="1258529"/>
-            <a:ext cx="10515600" cy="4168877"/>
+            <a:off x="531845" y="1258529"/>
+            <a:ext cx="11140751" cy="4168877"/>
           </a:xfrm>
         </p:spPr>
         <p:txBody>
           <a:bodyPr>
-            <a:normAutofit fontScale="92500" lnSpcReduction="10000"/>
+            <a:normAutofit/>
           </a:bodyPr>
           <a:lstStyle/>
           <a:p>
             <a:r>
-              <a:rPr lang="en-US" dirty="0"/>
+              <a:rPr lang="en-US" sz="2600" dirty="0"/>
               <a:t>Use local macros</a:t>
             </a:r>
           </a:p>
           <a:p>
             <a:r>
-              <a:rPr lang="en-US" dirty="0"/>
+              <a:rPr lang="en-US" sz="2600" dirty="0"/>
               <a:t>Use loops (foreach, </a:t>
             </a:r>
             <a:r>
-              <a:rPr lang="en-US" dirty="0" err="1"/>
+              <a:rPr lang="en-US" sz="2600" dirty="0" err="1"/>
               <a:t>forvalues</a:t>
             </a:r>
             <a:r>
-              <a:rPr lang="en-US" dirty="0"/>
+              <a:rPr lang="en-US" sz="2600" dirty="0"/>
               <a:t>, while)</a:t>
             </a:r>
           </a:p>
           <a:p>
             <a:r>
-              <a:rPr lang="en-US" dirty="0"/>
+              <a:rPr lang="en-US" sz="2600" dirty="0"/>
               <a:t>Use code to make tables</a:t>
             </a:r>
           </a:p>
           <a:p>
             <a:pPr lvl="1"/>
             <a:r>
-              <a:rPr lang="en-US" dirty="0" err="1"/>
+              <a:rPr lang="en-US" sz="1800" dirty="0" err="1"/>
               <a:t>dtable</a:t>
             </a:r>
             <a:r>
-              <a:rPr lang="en-US" dirty="0"/>
+              <a:rPr lang="en-US" sz="1800" dirty="0"/>
               <a:t>, </a:t>
             </a:r>
             <a:r>
-              <a:rPr lang="en-US" dirty="0" err="1"/>
+              <a:rPr lang="en-US" sz="1800" dirty="0" err="1"/>
               <a:t>etable</a:t>
             </a:r>
             <a:r>
-              <a:rPr lang="en-US" dirty="0"/>
+              <a:rPr lang="en-US" sz="1800" dirty="0"/>
               <a:t>, collect*</a:t>
             </a:r>
           </a:p>
           <a:p>
             <a:pPr lvl="1"/>
             <a:r>
-              <a:rPr lang="en-US" dirty="0"/>
+              <a:rPr lang="en-US" sz="1800" dirty="0"/>
               <a:t>export to word (docx) [or excel (</a:t>
             </a:r>
             <a:r>
-              <a:rPr lang="en-US" dirty="0" err="1"/>
+              <a:rPr lang="en-US" sz="1800" dirty="0" err="1"/>
               <a:t>xlxs</a:t>
             </a:r>
             <a:r>
-              <a:rPr lang="en-US" dirty="0"/>
+              <a:rPr lang="en-US" sz="1800" dirty="0"/>
               <a:t>)]</a:t>
             </a:r>
           </a:p>
           <a:p>
             <a:pPr lvl="1"/>
             <a:r>
-              <a:rPr lang="en-US" dirty="0"/>
+              <a:rPr lang="en-US" sz="1800" dirty="0"/>
               <a:t>a very simple example is available at </a:t>
             </a:r>
             <a:r>
-              <a:rPr lang="en-US" dirty="0">
+              <a:rPr lang="en-US" sz="1700" dirty="0">
                 <a:hlinkClick r:id="rId2"/>
               </a:rPr>
               <a:t>https://github.com/adh30/HDRUK_2024/blob/main/hdruk_eg1.do</a:t>
             </a:r>
             <a:r>
-              <a:rPr lang="en-US" dirty="0"/>
+              <a:rPr lang="en-US" sz="1700" dirty="0"/>
               <a:t> </a:t>
             </a:r>
           </a:p>
           <a:p>
             <a:r>
-              <a:rPr lang="en-US" dirty="0"/>
+              <a:rPr lang="en-US" sz="2600" dirty="0"/>
               <a:t>Make figures with code</a:t>
             </a:r>
           </a:p>
           <a:p>
             <a:pPr lvl="1"/>
             <a:r>
-              <a:rPr lang="en-US" dirty="0"/>
+              <a:rPr lang="en-US" sz="1800" dirty="0"/>
               <a:t>jpg, tiff, </a:t>
             </a:r>
             <a:r>
-              <a:rPr lang="en-US" dirty="0" err="1"/>
+              <a:rPr lang="en-US" sz="1800" dirty="0" err="1"/>
               <a:t>svg</a:t>
             </a:r>
             <a:r>
-              <a:rPr lang="en-US" dirty="0"/>
+              <a:rPr lang="en-US" sz="1800" dirty="0"/>
               <a:t>   - I prefer </a:t>
             </a:r>
             <a:r>
-              <a:rPr lang="en-US" dirty="0" err="1"/>
+              <a:rPr lang="en-US" sz="1800" dirty="0" err="1"/>
               <a:t>svg</a:t>
             </a:r>
             <a:r>
-              <a:rPr lang="en-US" dirty="0"/>
+              <a:rPr lang="en-US" sz="1800" dirty="0"/>
               <a:t> as it’s a vector graphic and therefore rescales nicely</a:t>
             </a:r>
           </a:p>
           <a:p>
             <a:r>
-              <a:rPr lang="en-US" dirty="0"/>
+              <a:rPr lang="en-US" sz="2600" dirty="0"/>
               <a:t>Never type anything that you can obtain from a saved result</a:t>
             </a:r>
           </a:p>
           <a:p>
             <a:pPr lvl="1"/>
             <a:r>
-              <a:rPr lang="en-US" dirty="0">
+              <a:rPr lang="en-US" sz="1800" dirty="0">
                 <a:latin typeface="Courier New" panose="02070309020205020404" pitchFamily="49" charset="0"/>
                 <a:cs typeface="Courier New" panose="02070309020205020404" pitchFamily="49" charset="0"/>
               </a:rPr>
               <a:t>return list</a:t>
             </a:r>
             <a:r>
-              <a:rPr lang="en-US" dirty="0"/>
+              <a:rPr lang="en-US" sz="1800" dirty="0"/>
               <a:t>, </a:t>
             </a:r>
             <a:r>
-              <a:rPr lang="en-US" dirty="0" err="1">
+              <a:rPr lang="en-US" sz="1800" dirty="0" err="1">
                 <a:latin typeface="Courier New" panose="02070309020205020404" pitchFamily="49" charset="0"/>
                 <a:cs typeface="Courier New" panose="02070309020205020404" pitchFamily="49" charset="0"/>
               </a:rPr>
               <a:t>ereturn</a:t>
             </a:r>
             <a:r>
-              <a:rPr lang="en-US" dirty="0">
+              <a:rPr lang="en-US" sz="1800" dirty="0">
                 <a:latin typeface="Courier New" panose="02070309020205020404" pitchFamily="49" charset="0"/>
                 <a:cs typeface="Courier New" panose="02070309020205020404" pitchFamily="49" charset="0"/>
               </a:rPr>
               <a:t> list </a:t>
             </a:r>
             <a:r>
-              <a:rPr lang="en-US" dirty="0"/>
+              <a:rPr lang="en-US" sz="1800" dirty="0"/>
               <a:t>and </a:t>
             </a:r>
             <a:r>
-              <a:rPr lang="en-US" dirty="0">
+              <a:rPr lang="en-US" sz="1800" dirty="0">
                 <a:latin typeface="Courier New" panose="02070309020205020404" pitchFamily="49" charset="0"/>
                 <a:cs typeface="Courier New" panose="02070309020205020404" pitchFamily="49" charset="0"/>
               </a:rPr>
               <a:t>matrix list </a:t>
             </a:r>
             <a:r>
-              <a:rPr lang="en-US" dirty="0"/>
+              <a:rPr lang="en-US" sz="1800" dirty="0"/>
               <a:t>are your friends</a:t>
             </a:r>
           </a:p>
@@ -5683,7 +5707,7 @@
         <p:spPr>
           <a:xfrm>
             <a:off x="838200" y="5722374"/>
-            <a:ext cx="10846687" cy="369332"/>
+            <a:ext cx="9881808" cy="338554"/>
           </a:xfrm>
           <a:prstGeom prst="rect">
             <a:avLst/>
@@ -5697,20 +5721,27 @@
           <a:lstStyle/>
           <a:p>
             <a:r>
-              <a:rPr lang="en-US" dirty="0"/>
+              <a:rPr lang="en-US" sz="1600" dirty="0">
+                <a:latin typeface="Arial Nova" panose="020B0504020202020204" pitchFamily="34" charset="0"/>
+              </a:rPr>
               <a:t>* Some examples using collect to make tables can be found at </a:t>
             </a:r>
             <a:r>
-              <a:rPr lang="en-US" dirty="0">
+              <a:rPr lang="en-US" sz="1600" dirty="0">
+                <a:latin typeface="Arial Nova" panose="020B0504020202020204" pitchFamily="34" charset="0"/>
                 <a:hlinkClick r:id="rId3"/>
               </a:rPr>
               <a:t>https://github.com/adh30/StataTablesPublic</a:t>
             </a:r>
             <a:r>
-              <a:rPr lang="en-US" dirty="0"/>
+              <a:rPr lang="en-US" sz="1600" dirty="0">
+                <a:latin typeface="Arial Nova" panose="020B0504020202020204" pitchFamily="34" charset="0"/>
+              </a:rPr>
               <a:t>  </a:t>
             </a:r>
-            <a:endParaRPr lang="en-GB" dirty="0"/>
+            <a:endParaRPr lang="en-GB" sz="1600" dirty="0">
+              <a:latin typeface="Arial Nova" panose="020B0504020202020204" pitchFamily="34" charset="0"/>
+            </a:endParaRPr>
           </a:p>
         </p:txBody>
       </p:sp>
@@ -5854,7 +5885,7 @@
               <a:rPr lang="en-US" dirty="0">
                 <a:latin typeface="Arial Nova" panose="020B0504020202020204" pitchFamily="34" charset="0"/>
               </a:rPr>
-              <a:t>This can be useful when you want to make multiple models (model1, model2 ….)  - the code is more readable</a:t>
+              <a:t>This can be useful when you want to make multiple models (model1, model2 ….)  - as the code is more readable and concise.</a:t>
             </a:r>
             <a:endParaRPr lang="en-GB" dirty="0">
               <a:latin typeface="Arial Nova" panose="020B0504020202020204" pitchFamily="34" charset="0"/>
@@ -5964,7 +5995,7 @@
         </p:spPr>
         <p:txBody>
           <a:bodyPr>
-            <a:normAutofit fontScale="55000" lnSpcReduction="20000"/>
+            <a:normAutofit fontScale="47500" lnSpcReduction="20000"/>
           </a:bodyPr>
           <a:lstStyle/>
           <a:p>
@@ -5975,10 +6006,10 @@
               <a:buNone/>
             </a:pPr>
             <a:r>
-              <a:rPr lang="en-GB" dirty="0"/>
+              <a:rPr lang="en-GB" sz="3800" b="1" dirty="0"/>
               <a:t>Workflow</a:t>
             </a:r>
-            <a:endParaRPr lang="en-GB" dirty="0">
+            <a:endParaRPr lang="en-GB" sz="3800" b="1" dirty="0">
               <a:hlinkClick r:id="rId2">
                 <a:extLst>
                   <a:ext uri="{A12FA001-AC4F-418D-AE19-62706E023703}">
@@ -5995,7 +6026,7 @@
               </a:lnSpc>
             </a:pPr>
             <a:r>
-              <a:rPr lang="en-GB" dirty="0">
+              <a:rPr lang="en-GB" sz="2900" dirty="0">
                 <a:solidFill>
                   <a:srgbClr val="467886"/>
                 </a:solidFill>
@@ -6017,7 +6048,7 @@
               </a:lnSpc>
             </a:pPr>
             <a:r>
-              <a:rPr lang="en-GB" dirty="0">
+              <a:rPr lang="en-GB" sz="2900" dirty="0">
                 <a:solidFill>
                   <a:srgbClr val="467886"/>
                 </a:solidFill>
@@ -6039,7 +6070,7 @@
               </a:lnSpc>
             </a:pPr>
             <a:r>
-              <a:rPr lang="en-GB" dirty="0">
+              <a:rPr lang="en-GB" sz="2900" dirty="0">
                 <a:solidFill>
                   <a:srgbClr val="467886"/>
                 </a:solidFill>
@@ -6061,7 +6092,7 @@
               </a:lnSpc>
             </a:pPr>
             <a:r>
-              <a:rPr lang="en-GB" dirty="0">
+              <a:rPr lang="en-GB" sz="2900" dirty="0">
                 <a:solidFill>
                   <a:srgbClr val="467886"/>
                 </a:solidFill>
@@ -6075,7 +6106,7 @@
               </a:rPr>
               <a:t>https://www.theanalysisfactor.com/the-data-analysis-work-flow-strategies-for-keeping-track-of-your-analyses-and-output/</a:t>
             </a:r>
-            <a:endParaRPr lang="en-GB" dirty="0"/>
+            <a:endParaRPr lang="en-GB" sz="2900" dirty="0"/>
           </a:p>
           <a:p>
             <a:pPr marL="0" indent="0">
@@ -6085,10 +6116,10 @@
               <a:buNone/>
             </a:pPr>
             <a:r>
-              <a:rPr lang="en-GB" dirty="0"/>
+              <a:rPr lang="en-GB" sz="3800" b="1" dirty="0"/>
               <a:t>General</a:t>
             </a:r>
-            <a:endParaRPr lang="en-GB" dirty="0">
+            <a:endParaRPr lang="en-GB" sz="3800" b="1" dirty="0">
               <a:hlinkClick r:id="rId3">
                 <a:extLst>
                   <a:ext uri="{A12FA001-AC4F-418D-AE19-62706E023703}">
@@ -6105,7 +6136,7 @@
               </a:lnSpc>
             </a:pPr>
             <a:r>
-              <a:rPr lang="en-GB" dirty="0">
+              <a:rPr lang="en-GB" sz="2900" dirty="0">
                 <a:solidFill>
                   <a:srgbClr val="467886"/>
                 </a:solidFill>
@@ -6120,7 +6151,7 @@
               <a:t>https://blog.stata.com/</a:t>
             </a:r>
             <a:r>
-              <a:rPr lang="en-GB" dirty="0"/>
+              <a:rPr lang="en-GB" sz="2900" dirty="0"/>
               <a:t> - The Stata Blog</a:t>
             </a:r>
           </a:p>
@@ -6131,13 +6162,13 @@
               </a:lnSpc>
             </a:pPr>
             <a:r>
-              <a:rPr lang="en-GB" dirty="0">
+              <a:rPr lang="en-GB" sz="2900" dirty="0">
                 <a:hlinkClick r:id="rId4"/>
               </a:rPr>
               <a:t>https://stats.oarc.ucla.edu/stata/</a:t>
             </a:r>
             <a:r>
-              <a:rPr lang="en-GB" dirty="0"/>
+              <a:rPr lang="en-GB" sz="2900" dirty="0"/>
               <a:t>  - UCLA statistical methods and data analytics</a:t>
             </a:r>
           </a:p>
@@ -6148,20 +6179,20 @@
               </a:lnSpc>
             </a:pPr>
             <a:r>
-              <a:rPr lang="en-GB" dirty="0">
+              <a:rPr lang="en-GB" sz="2900" dirty="0">
                 <a:hlinkClick r:id="rId5"/>
               </a:rPr>
               <a:t>https://www.statalist.org/</a:t>
             </a:r>
             <a:r>
-              <a:rPr lang="en-GB" dirty="0"/>
+              <a:rPr lang="en-GB" sz="2900" dirty="0"/>
               <a:t> - </a:t>
             </a:r>
             <a:r>
-              <a:rPr lang="en-GB" dirty="0" err="1"/>
+              <a:rPr lang="en-GB" sz="2900" dirty="0" err="1"/>
               <a:t>Statalist</a:t>
             </a:r>
-            <a:endParaRPr lang="en-GB" dirty="0"/>
+            <a:endParaRPr lang="en-GB" sz="2900" dirty="0"/>
           </a:p>
           <a:p>
             <a:pPr>
@@ -6170,13 +6201,13 @@
               </a:lnSpc>
             </a:pPr>
             <a:r>
-              <a:rPr lang="en-GB" dirty="0">
+              <a:rPr lang="en-GB" sz="2900" dirty="0">
                 <a:hlinkClick r:id="rId6"/>
               </a:rPr>
               <a:t>https://stackoverflow.com/</a:t>
             </a:r>
             <a:r>
-              <a:rPr lang="en-GB" dirty="0"/>
+              <a:rPr lang="en-GB" sz="2900" dirty="0"/>
               <a:t>  - Stack Overflow</a:t>
             </a:r>
           </a:p>
@@ -6187,16 +6218,16 @@
               </a:lnSpc>
             </a:pPr>
             <a:r>
-              <a:rPr lang="en-GB" dirty="0">
+              <a:rPr lang="en-GB" sz="2900" dirty="0">
                 <a:hlinkClick r:id="rId7"/>
               </a:rPr>
               <a:t>https://git-scm.com/</a:t>
             </a:r>
             <a:r>
-              <a:rPr lang="en-GB" dirty="0"/>
+              <a:rPr lang="en-GB" sz="2900" dirty="0"/>
               <a:t> - Git (a distributed version control system) </a:t>
             </a:r>
-            <a:endParaRPr lang="en-GB" dirty="0">
+            <a:endParaRPr lang="en-GB" sz="2900" dirty="0">
               <a:hlinkClick r:id="rId7"/>
             </a:endParaRPr>
           </a:p>
@@ -6207,20 +6238,20 @@
               </a:lnSpc>
             </a:pPr>
             <a:r>
-              <a:rPr lang="en-GB" dirty="0">
+              <a:rPr lang="en-GB" sz="2900" dirty="0">
                 <a:hlinkClick r:id="rId7"/>
               </a:rPr>
               <a:t>https://github.com/</a:t>
             </a:r>
             <a:r>
-              <a:rPr lang="en-GB" dirty="0"/>
+              <a:rPr lang="en-GB" sz="2900" dirty="0"/>
               <a:t> - </a:t>
             </a:r>
             <a:r>
-              <a:rPr lang="en-GB" dirty="0" err="1"/>
+              <a:rPr lang="en-GB" sz="2900" dirty="0" err="1"/>
               <a:t>Github</a:t>
             </a:r>
-            <a:endParaRPr lang="en-GB" dirty="0"/>
+            <a:endParaRPr lang="en-GB" sz="2900" dirty="0"/>
           </a:p>
           <a:p>
             <a:pPr>
@@ -6229,39 +6260,27 @@
               </a:lnSpc>
             </a:pPr>
             <a:r>
-              <a:rPr lang="en-GB" dirty="0">
+              <a:rPr lang="en-GB" sz="2900" dirty="0">
                 <a:hlinkClick r:id="rId8"/>
               </a:rPr>
               <a:t>https://gitlab.com/</a:t>
             </a:r>
             <a:r>
-              <a:rPr lang="en-GB" dirty="0"/>
+              <a:rPr lang="en-GB" sz="2900" dirty="0"/>
               <a:t> - Gitlab</a:t>
             </a:r>
           </a:p>
           <a:p>
-            <a:pPr>
+            <a:pPr marL="0" indent="0">
               <a:lnSpc>
                 <a:spcPct val="120000"/>
               </a:lnSpc>
+              <a:buNone/>
             </a:pPr>
-            <a:endParaRPr lang="en-GB" dirty="0"/>
-          </a:p>
-          <a:p>
-            <a:pPr>
-              <a:lnSpc>
-                <a:spcPct val="120000"/>
-              </a:lnSpc>
-            </a:pPr>
-            <a:endParaRPr lang="en-GB" dirty="0"/>
-          </a:p>
-          <a:p>
-            <a:pPr>
-              <a:lnSpc>
-                <a:spcPct val="120000"/>
-              </a:lnSpc>
-            </a:pPr>
-            <a:endParaRPr lang="en-GB" dirty="0"/>
+            <a:r>
+              <a:rPr lang="en-GB" sz="3800" dirty="0"/>
+              <a:t>Also, there’s lots more in Scott Long’s book that I haven’t covered.</a:t>
+            </a:r>
           </a:p>
         </p:txBody>
       </p:sp>
@@ -6338,10 +6357,10 @@
       </p:sp>
       <p:pic>
         <p:nvPicPr>
-          <p:cNvPr id="3" name="Picture 2">
+          <p:cNvPr id="5" name="Picture 4">
             <a:extLst>
               <a:ext uri="{FF2B5EF4-FFF2-40B4-BE49-F238E27FC236}">
-                <a16:creationId xmlns:a16="http://schemas.microsoft.com/office/drawing/2014/main" id="{E1C47674-47DA-DD92-8B2F-337EE0D0BC02}"/>
+                <a16:creationId xmlns:a16="http://schemas.microsoft.com/office/drawing/2014/main" id="{69A66BCA-9257-DADC-28FF-582C02502AFF}"/>
               </a:ext>
             </a:extLst>
           </p:cNvPr>
@@ -6358,37 +6377,7 @@
         </p:blipFill>
         <p:spPr>
           <a:xfrm>
-            <a:off x="895350" y="1520825"/>
-            <a:ext cx="3913003" cy="4972050"/>
-          </a:xfrm>
-          <a:prstGeom prst="rect">
-            <a:avLst/>
-          </a:prstGeom>
-        </p:spPr>
-      </p:pic>
-      <p:pic>
-        <p:nvPicPr>
-          <p:cNvPr id="5" name="Picture 4">
-            <a:extLst>
-              <a:ext uri="{FF2B5EF4-FFF2-40B4-BE49-F238E27FC236}">
-                <a16:creationId xmlns:a16="http://schemas.microsoft.com/office/drawing/2014/main" id="{69A66BCA-9257-DADC-28FF-582C02502AFF}"/>
-              </a:ext>
-            </a:extLst>
-          </p:cNvPr>
-          <p:cNvPicPr>
-            <a:picLocks noChangeAspect="1"/>
-          </p:cNvPicPr>
-          <p:nvPr/>
-        </p:nvPicPr>
-        <p:blipFill>
-          <a:blip r:embed="rId3"/>
-          <a:stretch>
-            <a:fillRect/>
-          </a:stretch>
-        </p:blipFill>
-        <p:spPr>
-          <a:xfrm>
-            <a:off x="7312205" y="669070"/>
+            <a:off x="7312205" y="585091"/>
             <a:ext cx="3913003" cy="5792787"/>
           </a:xfrm>
           <a:prstGeom prst="rect">
@@ -6411,7 +6400,7 @@
         <p:spPr>
           <a:xfrm>
             <a:off x="8826224" y="6123543"/>
-            <a:ext cx="3044428" cy="369332"/>
+            <a:ext cx="3044428" cy="338554"/>
           </a:xfrm>
           <a:prstGeom prst="rect">
             <a:avLst/>
@@ -6426,14 +6415,14 @@
           <a:p>
             <a:pPr algn="r"/>
             <a:r>
-              <a:rPr lang="en-GB" dirty="0">
+              <a:rPr lang="en-GB" sz="1600" dirty="0">
                 <a:latin typeface="Arial Nova" panose="020B0504020202020204" pitchFamily="34" charset="0"/>
-                <a:hlinkClick r:id="rId4"/>
+                <a:hlinkClick r:id="rId3"/>
               </a:rPr>
               <a:t>https://hbiostat.org/rflow/</a:t>
             </a:r>
             <a:r>
-              <a:rPr lang="en-GB" dirty="0">
+              <a:rPr lang="en-GB" sz="1600" dirty="0">
                 <a:latin typeface="Arial Nova" panose="020B0504020202020204" pitchFamily="34" charset="0"/>
               </a:rPr>
               <a:t> </a:t>
@@ -6455,8 +6444,8 @@
         </p:nvSpPr>
         <p:spPr>
           <a:xfrm>
-            <a:off x="10409226" y="5726579"/>
-            <a:ext cx="1461426" cy="369332"/>
+            <a:off x="10409226" y="5829220"/>
+            <a:ext cx="1320105" cy="338554"/>
           </a:xfrm>
           <a:prstGeom prst="rect">
             <a:avLst/>
@@ -6470,12 +6459,95 @@
           <a:lstStyle/>
           <a:p>
             <a:r>
-              <a:rPr lang="en-GB" dirty="0"/>
+              <a:rPr lang="en-GB" sz="1600" dirty="0"/>
               <a:t>Frank Harrell</a:t>
             </a:r>
           </a:p>
         </p:txBody>
       </p:sp>
+      <p:sp>
+        <p:nvSpPr>
+          <p:cNvPr id="6" name="TextBox 5">
+            <a:extLst>
+              <a:ext uri="{FF2B5EF4-FFF2-40B4-BE49-F238E27FC236}">
+                <a16:creationId xmlns:a16="http://schemas.microsoft.com/office/drawing/2014/main" id="{F914F47B-D71D-DE8F-6699-64F0798F7073}"/>
+              </a:ext>
+            </a:extLst>
+          </p:cNvPr>
+          <p:cNvSpPr txBox="1"/>
+          <p:nvPr/>
+        </p:nvSpPr>
+        <p:spPr>
+          <a:xfrm>
+            <a:off x="1595147" y="5280957"/>
+            <a:ext cx="3070160" cy="1200329"/>
+          </a:xfrm>
+          <a:prstGeom prst="rect">
+            <a:avLst/>
+          </a:prstGeom>
+          <a:noFill/>
+        </p:spPr>
+        <p:txBody>
+          <a:bodyPr wrap="square">
+            <a:spAutoFit/>
+          </a:bodyPr>
+          <a:lstStyle/>
+          <a:p>
+            <a:r>
+              <a:rPr lang="en-GB" dirty="0"/>
+              <a:t>Author: J. Scott Long</a:t>
+            </a:r>
+          </a:p>
+          <a:p>
+            <a:r>
+              <a:rPr lang="en-GB" dirty="0"/>
+              <a:t>Publisher: Stata Press</a:t>
+            </a:r>
+          </a:p>
+          <a:p>
+            <a:r>
+              <a:rPr lang="en-GB" dirty="0"/>
+              <a:t>ISBN-13:	978-1-59718-047-4</a:t>
+            </a:r>
+          </a:p>
+          <a:p>
+            <a:r>
+              <a:rPr lang="en-GB" dirty="0"/>
+              <a:t>Pages: 379; paperback</a:t>
+            </a:r>
+          </a:p>
+        </p:txBody>
+      </p:sp>
+      <p:pic>
+        <p:nvPicPr>
+          <p:cNvPr id="9" name="Picture 8">
+            <a:extLst>
+              <a:ext uri="{FF2B5EF4-FFF2-40B4-BE49-F238E27FC236}">
+                <a16:creationId xmlns:a16="http://schemas.microsoft.com/office/drawing/2014/main" id="{8068147D-9D80-B3DB-B959-2E9FB000ABA0}"/>
+              </a:ext>
+            </a:extLst>
+          </p:cNvPr>
+          <p:cNvPicPr>
+            <a:picLocks noChangeAspect="1"/>
+          </p:cNvPicPr>
+          <p:nvPr/>
+        </p:nvPicPr>
+        <p:blipFill>
+          <a:blip r:embed="rId4"/>
+          <a:stretch>
+            <a:fillRect/>
+          </a:stretch>
+        </p:blipFill>
+        <p:spPr>
+          <a:xfrm>
+            <a:off x="1739123" y="1351396"/>
+            <a:ext cx="2782209" cy="3549715"/>
+          </a:xfrm>
+          <a:prstGeom prst="rect">
+            <a:avLst/>
+          </a:prstGeom>
+        </p:spPr>
+      </p:pic>
     </p:spTree>
     <p:extLst>
       <p:ext uri="{BB962C8B-B14F-4D97-AF65-F5344CB8AC3E}">
@@ -6973,7 +7045,7 @@
                 <a:rPr lang="en-GB" dirty="0">
                   <a:latin typeface="Arial Nova" panose="020B0504020202020204" pitchFamily="34" charset="0"/>
                 </a:rPr>
-                <a:t>Analysis workflow</a:t>
+                <a:t>Data workflow</a:t>
               </a:r>
             </a:p>
           </p:txBody>
@@ -8737,11 +8809,14 @@
         </p:spPr>
         <p:txBody>
           <a:bodyPr>
-            <a:normAutofit lnSpcReduction="10000"/>
+            <a:normAutofit fontScale="92500" lnSpcReduction="20000"/>
           </a:bodyPr>
           <a:lstStyle/>
           <a:p>
             <a:pPr marL="0" indent="0">
+              <a:lnSpc>
+                <a:spcPct val="100000"/>
+              </a:lnSpc>
               <a:buNone/>
             </a:pPr>
             <a:r>
@@ -8750,44 +8825,60 @@
             </a:r>
           </a:p>
           <a:p>
-            <a:pPr lvl="1"/>
-            <a:r>
-              <a:rPr lang="en-US" dirty="0"/>
-              <a:t>Original datasets should be ‘posted’ and remain unmodified – you can </a:t>
-            </a:r>
-            <a:r>
-              <a:rPr lang="en-US" b="1" dirty="0"/>
+            <a:pPr lvl="1">
+              <a:lnSpc>
+                <a:spcPct val="100000"/>
+              </a:lnSpc>
+            </a:pPr>
+            <a:r>
+              <a:rPr lang="en-US" sz="2000" dirty="0"/>
+              <a:t>Original datasets should be ‘posted’. ‘Posted’ files should remain unmodified – you can </a:t>
+            </a:r>
+            <a:r>
+              <a:rPr lang="en-US" sz="2000" b="1" dirty="0"/>
               <a:t>add</a:t>
             </a:r>
             <a:r>
-              <a:rPr lang="en-US" dirty="0"/>
+              <a:rPr lang="en-US" sz="2000" dirty="0"/>
               <a:t> to a posted folder, but you should </a:t>
             </a:r>
             <a:r>
-              <a:rPr lang="en-US" b="1" dirty="0"/>
+              <a:rPr lang="en-US" sz="2000" b="1" dirty="0"/>
               <a:t>never change </a:t>
             </a:r>
             <a:r>
-              <a:rPr lang="en-US" dirty="0"/>
-              <a:t>anything in posted.</a:t>
-            </a:r>
-          </a:p>
-          <a:p>
-            <a:pPr lvl="1"/>
-            <a:r>
-              <a:rPr lang="en-US" dirty="0"/>
+              <a:rPr lang="en-US" sz="2000" dirty="0"/>
+              <a:t>anything in a posted folder.</a:t>
+            </a:r>
+          </a:p>
+          <a:p>
+            <a:pPr lvl="1">
+              <a:lnSpc>
+                <a:spcPct val="100000"/>
+              </a:lnSpc>
+            </a:pPr>
+            <a:r>
+              <a:rPr lang="en-US" sz="2000" dirty="0"/>
               <a:t>Use a work folder (and subfolders) to develop your analyses and then ‘post’ a snapshot to the relevant posted folder(s) when you think the code is stable. This means that when you need to go back to analysis (e.g., when you revise a manuscript) you have exactly what you did to hand. </a:t>
             </a:r>
           </a:p>
           <a:p>
-            <a:pPr lvl="1"/>
-            <a:r>
-              <a:rPr lang="en-US" dirty="0"/>
+            <a:pPr lvl="1">
+              <a:lnSpc>
+                <a:spcPct val="100000"/>
+              </a:lnSpc>
+            </a:pPr>
+            <a:r>
+              <a:rPr lang="en-US" sz="2000" dirty="0"/>
               <a:t>Document your decisions (both why you did something and why you did not)</a:t>
             </a:r>
           </a:p>
           <a:p>
-            <a:pPr lvl="2"/>
+            <a:pPr lvl="2">
+              <a:lnSpc>
+                <a:spcPct val="100000"/>
+              </a:lnSpc>
+            </a:pPr>
             <a:r>
               <a:rPr lang="en-US" dirty="0">
                 <a:solidFill>
@@ -8798,7 +8889,11 @@
             </a:r>
           </a:p>
           <a:p>
-            <a:pPr lvl="2"/>
+            <a:pPr lvl="2">
+              <a:lnSpc>
+                <a:spcPct val="100000"/>
+              </a:lnSpc>
+            </a:pPr>
             <a:r>
               <a:rPr lang="en-US" dirty="0">
                 <a:solidFill>
@@ -8809,7 +8904,11 @@
             </a:r>
           </a:p>
           <a:p>
-            <a:pPr lvl="2"/>
+            <a:pPr lvl="2">
+              <a:lnSpc>
+                <a:spcPct val="100000"/>
+              </a:lnSpc>
+            </a:pPr>
             <a:r>
               <a:rPr lang="en-US" dirty="0">
                 <a:solidFill>
@@ -8820,7 +8919,11 @@
             </a:r>
           </a:p>
           <a:p>
-            <a:pPr lvl="2"/>
+            <a:pPr lvl="2">
+              <a:lnSpc>
+                <a:spcPct val="100000"/>
+              </a:lnSpc>
+            </a:pPr>
             <a:r>
               <a:rPr lang="en-US" dirty="0">
                 <a:solidFill>
@@ -8831,22 +8934,219 @@
             </a:r>
           </a:p>
           <a:p>
-            <a:pPr marL="0" indent="0">
-              <a:buNone/>
+            <a:pPr lvl="1">
+              <a:lnSpc>
+                <a:spcPct val="100000"/>
+              </a:lnSpc>
+            </a:pPr>
+            <a:r>
+              <a:rPr lang="en-US" sz="2000" dirty="0"/>
+              <a:t>Use </a:t>
+            </a:r>
+            <a:r>
+              <a:rPr lang="en-US" sz="2000" dirty="0">
+                <a:latin typeface="Courier New" panose="02070309020205020404" pitchFamily="49" charset="0"/>
+                <a:cs typeface="Courier New" panose="02070309020205020404" pitchFamily="49" charset="0"/>
+              </a:rPr>
+              <a:t>notes: [</a:t>
+            </a:r>
+            <a:r>
+              <a:rPr lang="en-US" sz="2000" i="1" dirty="0">
+                <a:latin typeface="Courier New" panose="02070309020205020404" pitchFamily="49" charset="0"/>
+                <a:cs typeface="Courier New" panose="02070309020205020404" pitchFamily="49" charset="0"/>
+              </a:rPr>
+              <a:t>note</a:t>
+            </a:r>
+            <a:r>
+              <a:rPr lang="en-US" sz="2000" dirty="0">
+                <a:latin typeface="Courier New" panose="02070309020205020404" pitchFamily="49" charset="0"/>
+                <a:cs typeface="Courier New" panose="02070309020205020404" pitchFamily="49" charset="0"/>
+              </a:rPr>
+              <a:t>] </a:t>
+            </a:r>
+            <a:r>
+              <a:rPr lang="en-US" sz="2000" dirty="0">
+                <a:cs typeface="Courier New" panose="02070309020205020404" pitchFamily="49" charset="0"/>
+              </a:rPr>
+              <a:t>or</a:t>
+            </a:r>
+            <a:r>
+              <a:rPr lang="en-US" sz="2000" dirty="0">
+                <a:latin typeface="Courier New" panose="02070309020205020404" pitchFamily="49" charset="0"/>
+                <a:cs typeface="Courier New" panose="02070309020205020404" pitchFamily="49" charset="0"/>
+              </a:rPr>
+              <a:t> notes [</a:t>
+            </a:r>
+            <a:r>
+              <a:rPr lang="en-US" sz="2000" dirty="0" err="1">
+                <a:latin typeface="Courier New" panose="02070309020205020404" pitchFamily="49" charset="0"/>
+                <a:cs typeface="Courier New" panose="02070309020205020404" pitchFamily="49" charset="0"/>
+              </a:rPr>
+              <a:t>varname</a:t>
+            </a:r>
+            <a:r>
+              <a:rPr lang="en-US" sz="2000" dirty="0">
+                <a:latin typeface="Courier New" panose="02070309020205020404" pitchFamily="49" charset="0"/>
+                <a:cs typeface="Courier New" panose="02070309020205020404" pitchFamily="49" charset="0"/>
+              </a:rPr>
+              <a:t>]: </a:t>
+            </a:r>
+            <a:r>
+              <a:rPr lang="en-US" sz="2000" i="1" dirty="0">
+                <a:latin typeface="Courier New" panose="02070309020205020404" pitchFamily="49" charset="0"/>
+                <a:cs typeface="Courier New" panose="02070309020205020404" pitchFamily="49" charset="0"/>
+              </a:rPr>
+              <a:t>text</a:t>
+            </a:r>
+            <a:r>
+              <a:rPr lang="en-US" sz="2000" dirty="0">
+                <a:latin typeface="Courier New" panose="02070309020205020404" pitchFamily="49" charset="0"/>
+                <a:cs typeface="Courier New" panose="02070309020205020404" pitchFamily="49" charset="0"/>
+              </a:rPr>
+              <a:t> </a:t>
+            </a:r>
+            <a:r>
+              <a:rPr lang="en-US" sz="2000" dirty="0">
+                <a:cs typeface="Courier New" panose="02070309020205020404" pitchFamily="49" charset="0"/>
+              </a:rPr>
+              <a:t>to add further details to the dataset or to variables</a:t>
+            </a:r>
+          </a:p>
+          <a:p>
+            <a:pPr lvl="1">
+              <a:lnSpc>
+                <a:spcPct val="100000"/>
+              </a:lnSpc>
+            </a:pPr>
+            <a:r>
+              <a:rPr lang="en-US" sz="2000" dirty="0">
+                <a:cs typeface="Courier New" panose="02070309020205020404" pitchFamily="49" charset="0"/>
+              </a:rPr>
+              <a:t>Always label your variables</a:t>
+            </a:r>
+          </a:p>
+          <a:p>
+            <a:pPr lvl="1">
+              <a:lnSpc>
+                <a:spcPct val="100000"/>
+              </a:lnSpc>
+            </a:pPr>
+            <a:r>
+              <a:rPr lang="en-US" sz="2000" dirty="0">
+                <a:cs typeface="Courier New" panose="02070309020205020404" pitchFamily="49" charset="0"/>
+              </a:rPr>
+              <a:t>Use value labels (e.g., </a:t>
+            </a:r>
+            <a:r>
+              <a:rPr lang="en-US" sz="2000" dirty="0">
+                <a:latin typeface="Courier New" panose="02070309020205020404" pitchFamily="49" charset="0"/>
+                <a:cs typeface="Courier New" panose="02070309020205020404" pitchFamily="49" charset="0"/>
+              </a:rPr>
+              <a:t>l</a:t>
+            </a:r>
+            <a:r>
+              <a:rPr lang="en-GB" sz="2000" dirty="0" err="1">
+                <a:latin typeface="Courier New" panose="02070309020205020404" pitchFamily="49" charset="0"/>
+                <a:cs typeface="Courier New" panose="02070309020205020404" pitchFamily="49" charset="0"/>
+              </a:rPr>
+              <a:t>abel</a:t>
+            </a:r>
+            <a:r>
+              <a:rPr lang="en-GB" sz="2000" dirty="0">
+                <a:latin typeface="Courier New" panose="02070309020205020404" pitchFamily="49" charset="0"/>
+                <a:cs typeface="Courier New" panose="02070309020205020404" pitchFamily="49" charset="0"/>
+              </a:rPr>
+              <a:t> define </a:t>
+            </a:r>
+            <a:r>
+              <a:rPr lang="en-GB" sz="2000" dirty="0" err="1">
+                <a:latin typeface="Courier New" panose="02070309020205020404" pitchFamily="49" charset="0"/>
+                <a:cs typeface="Courier New" panose="02070309020205020404" pitchFamily="49" charset="0"/>
+              </a:rPr>
+              <a:t>yesno</a:t>
+            </a:r>
+            <a:r>
+              <a:rPr lang="en-GB" sz="2000" dirty="0">
+                <a:latin typeface="Courier New" panose="02070309020205020404" pitchFamily="49" charset="0"/>
+                <a:cs typeface="Courier New" panose="02070309020205020404" pitchFamily="49" charset="0"/>
+              </a:rPr>
+              <a:t> 0 No 1 Yes </a:t>
+            </a:r>
+            <a:r>
+              <a:rPr lang="en-GB" sz="2000" dirty="0">
+                <a:cs typeface="Courier New" panose="02070309020205020404" pitchFamily="49" charset="0"/>
+              </a:rPr>
+              <a:t>and</a:t>
+            </a:r>
+            <a:r>
+              <a:rPr lang="en-GB" sz="2000" dirty="0">
+                <a:latin typeface="Courier New" panose="02070309020205020404" pitchFamily="49" charset="0"/>
+                <a:cs typeface="Courier New" panose="02070309020205020404" pitchFamily="49" charset="0"/>
+              </a:rPr>
+              <a:t> label values </a:t>
+            </a:r>
+            <a:r>
+              <a:rPr lang="en-GB" sz="2000" dirty="0" err="1">
+                <a:latin typeface="Courier New" panose="02070309020205020404" pitchFamily="49" charset="0"/>
+                <a:cs typeface="Courier New" panose="02070309020205020404" pitchFamily="49" charset="0"/>
+              </a:rPr>
+              <a:t>wc</a:t>
+            </a:r>
+            <a:r>
+              <a:rPr lang="en-GB" sz="2000" dirty="0">
+                <a:latin typeface="Courier New" panose="02070309020205020404" pitchFamily="49" charset="0"/>
+                <a:cs typeface="Courier New" panose="02070309020205020404" pitchFamily="49" charset="0"/>
+              </a:rPr>
+              <a:t> </a:t>
+            </a:r>
+            <a:r>
+              <a:rPr lang="en-GB" sz="2000" dirty="0" err="1">
+                <a:latin typeface="Courier New" panose="02070309020205020404" pitchFamily="49" charset="0"/>
+                <a:cs typeface="Courier New" panose="02070309020205020404" pitchFamily="49" charset="0"/>
+              </a:rPr>
+              <a:t>yesno</a:t>
+            </a:r>
+            <a:r>
+              <a:rPr lang="en-GB" sz="2000" dirty="0">
+                <a:latin typeface="Courier New" panose="02070309020205020404" pitchFamily="49" charset="0"/>
+                <a:cs typeface="Courier New" panose="02070309020205020404" pitchFamily="49" charset="0"/>
+              </a:rPr>
+              <a:t>)</a:t>
+            </a:r>
+            <a:endParaRPr lang="en-US" sz="2000" dirty="0">
+              <a:latin typeface="Courier New" panose="02070309020205020404" pitchFamily="49" charset="0"/>
+              <a:cs typeface="Courier New" panose="02070309020205020404" pitchFamily="49" charset="0"/>
+            </a:endParaRPr>
+          </a:p>
+          <a:p>
+            <a:pPr>
+              <a:lnSpc>
+                <a:spcPct val="100000"/>
+              </a:lnSpc>
             </a:pPr>
             <a:endParaRPr lang="en-US" dirty="0"/>
           </a:p>
           <a:p>
+            <a:pPr>
+              <a:lnSpc>
+                <a:spcPct val="100000"/>
+              </a:lnSpc>
+            </a:pPr>
             <a:endParaRPr lang="en-US" dirty="0"/>
           </a:p>
           <a:p>
+            <a:pPr>
+              <a:lnSpc>
+                <a:spcPct val="100000"/>
+              </a:lnSpc>
+            </a:pPr>
             <a:endParaRPr lang="en-US" dirty="0"/>
           </a:p>
           <a:p>
-            <a:endParaRPr lang="en-US" dirty="0"/>
-          </a:p>
-          <a:p>
             <a:pPr lvl="1">
+              <a:lnSpc>
+                <a:spcPct val="100000"/>
+              </a:lnSpc>
               <a:buFont typeface="Courier New" panose="02070309020205020404" pitchFamily="49" charset="0"/>
               <a:buChar char="o"/>
             </a:pPr>
@@ -8854,6 +9154,9 @@
           </a:p>
           <a:p>
             <a:pPr lvl="1">
+              <a:lnSpc>
+                <a:spcPct val="100000"/>
+              </a:lnSpc>
               <a:buFont typeface="Courier New" panose="02070309020205020404" pitchFamily="49" charset="0"/>
               <a:buChar char="o"/>
             </a:pPr>
@@ -9811,7 +10114,7 @@
         </p:spPr>
         <p:txBody>
           <a:bodyPr>
-            <a:normAutofit fontScale="70000" lnSpcReduction="20000"/>
+            <a:normAutofit fontScale="55000" lnSpcReduction="20000"/>
           </a:bodyPr>
           <a:lstStyle/>
           <a:p>
@@ -9821,24 +10124,16 @@
               </a:lnSpc>
             </a:pPr>
             <a:r>
-              <a:rPr lang="en-US" dirty="0"/>
+              <a:rPr lang="en-US" sz="3300" dirty="0"/>
               <a:t>Always use code to do </a:t>
             </a:r>
             <a:r>
-              <a:rPr lang="en-US" b="1" dirty="0"/>
+              <a:rPr lang="en-US" sz="3300" b="1" dirty="0"/>
               <a:t>anything</a:t>
             </a:r>
             <a:r>
-              <a:rPr lang="en-US" dirty="0"/>
-              <a:t> </a:t>
-            </a:r>
-            <a:r>
-              <a:rPr lang="en-US" dirty="0">
-                <a:solidFill>
-                  <a:srgbClr val="0B76A0"/>
-                </a:solidFill>
-              </a:rPr>
-              <a:t>(i.e., use ‘do’ files) </a:t>
+              <a:rPr lang="en-US" sz="3300" dirty="0"/>
+              <a:t> (i.e., use ‘do’ files) </a:t>
             </a:r>
           </a:p>
           <a:p>
@@ -9850,7 +10145,7 @@
               <a:buChar char="o"/>
             </a:pPr>
             <a:r>
-              <a:rPr lang="en-US" dirty="0"/>
+              <a:rPr lang="en-US" sz="2500" dirty="0"/>
               <a:t>It’s fine to use the menus (particularly when you are beginning) but ensure you save the code in a do file and use the do file in future </a:t>
             </a:r>
           </a:p>
@@ -9863,15 +10158,15 @@
               <a:buChar char="o"/>
             </a:pPr>
             <a:r>
-              <a:rPr lang="en-US" dirty="0"/>
+              <a:rPr lang="en-US" sz="2500" dirty="0"/>
               <a:t>Use code to open and merge your datasets…use code to clean…use code to </a:t>
             </a:r>
             <a:r>
-              <a:rPr lang="en-US" dirty="0" err="1"/>
+              <a:rPr lang="en-US" sz="2500" dirty="0" err="1"/>
               <a:t>analyse</a:t>
             </a:r>
             <a:r>
-              <a:rPr lang="en-US" dirty="0"/>
+              <a:rPr lang="en-US" sz="2500" dirty="0"/>
               <a:t>…use code to produce tables and figures…</a:t>
             </a:r>
           </a:p>
@@ -9884,7 +10179,7 @@
               <a:buChar char="o"/>
             </a:pPr>
             <a:r>
-              <a:rPr lang="en-US" dirty="0"/>
+              <a:rPr lang="en-US" sz="2500" dirty="0"/>
               <a:t>Use comments to describe what you are doing in code</a:t>
             </a:r>
           </a:p>
@@ -9895,12 +10190,19 @@
               </a:lnSpc>
             </a:pPr>
             <a:r>
-              <a:rPr lang="en-US" sz="2600" dirty="0">
+              <a:rPr lang="en-US" sz="2500" dirty="0">
+                <a:latin typeface="Courier New" panose="02070309020205020404" pitchFamily="49" charset="0"/>
+                <a:cs typeface="Courier New" panose="02070309020205020404" pitchFamily="49" charset="0"/>
+              </a:rPr>
+              <a:t>/* …*/ </a:t>
+            </a:r>
+            <a:r>
+              <a:rPr lang="en-US" sz="2500" dirty="0">
                 <a:solidFill>
                   <a:schemeClr val="accent1"/>
                 </a:solidFill>
               </a:rPr>
-              <a:t>/* …*/ is useful for commenting out blocks of code</a:t>
+              <a:t>is useful for commenting out blocks of code</a:t>
             </a:r>
           </a:p>
           <a:p>
@@ -9912,8 +10214,8 @@
               <a:buChar char="o"/>
             </a:pPr>
             <a:r>
-              <a:rPr lang="en-US" dirty="0"/>
-              <a:t>Use a main.do file</a:t>
+              <a:rPr lang="en-US" sz="2500" dirty="0"/>
+              <a:t>Use a main.do or master.do file</a:t>
             </a:r>
           </a:p>
           <a:p>
@@ -9923,7 +10225,7 @@
               </a:lnSpc>
             </a:pPr>
             <a:r>
-              <a:rPr lang="en-US" sz="2600" dirty="0">
+              <a:rPr lang="en-US" sz="2500" dirty="0">
                 <a:solidFill>
                   <a:schemeClr val="accent1"/>
                 </a:solidFill>
@@ -9938,7 +10240,7 @@
               </a:lnSpc>
             </a:pPr>
             <a:r>
-              <a:rPr lang="en-US" dirty="0"/>
+              <a:rPr lang="en-US" sz="3300" dirty="0"/>
               <a:t>Create a log file to keep track of your actions and outputs</a:t>
             </a:r>
           </a:p>
@@ -9949,16 +10251,31 @@
               </a:lnSpc>
             </a:pPr>
             <a:r>
-              <a:rPr lang="en-US" dirty="0"/>
+              <a:rPr lang="en-US" sz="3300" dirty="0"/>
               <a:t>Use version control  for Stata (e.g., version 18) </a:t>
             </a:r>
             <a:r>
-              <a:rPr lang="en-US" u="sng" dirty="0"/>
+              <a:rPr lang="en-US" sz="3300" u="sng" dirty="0"/>
               <a:t>and</a:t>
             </a:r>
             <a:r>
-              <a:rPr lang="en-US" dirty="0"/>
-              <a:t> for user-written add-ons. Without the latter, others (or you later) may not be able to replicate your analyses</a:t>
+              <a:rPr lang="en-US" sz="3300" dirty="0"/>
+              <a:t> for user-written add-ons. </a:t>
+            </a:r>
+          </a:p>
+          <a:p>
+            <a:pPr lvl="2">
+              <a:lnSpc>
+                <a:spcPct val="120000"/>
+              </a:lnSpc>
+            </a:pPr>
+            <a:r>
+              <a:rPr lang="en-US" sz="2500" dirty="0">
+                <a:solidFill>
+                  <a:schemeClr val="accent1"/>
+                </a:solidFill>
+              </a:rPr>
+              <a:t>Without the version control, others (or you later!) may not be able to replicate your analyses</a:t>
             </a:r>
           </a:p>
           <a:p>
@@ -9968,57 +10285,17 @@
               </a:lnSpc>
             </a:pPr>
             <a:r>
-              <a:rPr lang="en-US" dirty="0"/>
+              <a:rPr lang="en-US" sz="3300" dirty="0"/>
               <a:t>Use </a:t>
             </a:r>
             <a:r>
-              <a:rPr lang="en-US" dirty="0" err="1"/>
-              <a:t>datasig</a:t>
-            </a:r>
-            <a:r>
-              <a:rPr lang="en-US" dirty="0"/>
+              <a:rPr lang="en-US" sz="3300" dirty="0" err="1"/>
+              <a:t>datasignature</a:t>
+            </a:r>
+            <a:r>
+              <a:rPr lang="en-US" sz="3300" dirty="0"/>
               <a:t> to ensure your dataset hasn’t changed (or been changed)</a:t>
             </a:r>
-          </a:p>
-          <a:p>
-            <a:pPr>
-              <a:lnSpc>
-                <a:spcPct val="120000"/>
-              </a:lnSpc>
-            </a:pPr>
-            <a:endParaRPr lang="en-US" dirty="0"/>
-          </a:p>
-          <a:p>
-            <a:pPr>
-              <a:lnSpc>
-                <a:spcPct val="120000"/>
-              </a:lnSpc>
-            </a:pPr>
-            <a:endParaRPr lang="en-US" dirty="0"/>
-          </a:p>
-          <a:p>
-            <a:pPr>
-              <a:lnSpc>
-                <a:spcPct val="120000"/>
-              </a:lnSpc>
-            </a:pPr>
-            <a:endParaRPr lang="en-US" dirty="0"/>
-          </a:p>
-          <a:p>
-            <a:pPr>
-              <a:lnSpc>
-                <a:spcPct val="120000"/>
-              </a:lnSpc>
-            </a:pPr>
-            <a:endParaRPr lang="en-US" dirty="0"/>
-          </a:p>
-          <a:p>
-            <a:pPr>
-              <a:lnSpc>
-                <a:spcPct val="120000"/>
-              </a:lnSpc>
-            </a:pPr>
-            <a:endParaRPr lang="en-US" dirty="0"/>
           </a:p>
           <a:p>
             <a:pPr lvl="1">
@@ -10028,6 +10305,55 @@
               <a:buFont typeface="Courier New" panose="02070309020205020404" pitchFamily="49" charset="0"/>
               <a:buChar char="o"/>
             </a:pPr>
+            <a:r>
+              <a:rPr lang="en-GB" sz="2500" dirty="0" err="1"/>
+              <a:t>datasignature</a:t>
+            </a:r>
+            <a:r>
+              <a:rPr lang="en-GB" sz="2500" dirty="0"/>
+              <a:t> creates a string of numbers and symbols, which is based on five character­istics of the data (e.g., 753:8(64146):1899015902:1680634677)</a:t>
+            </a:r>
+          </a:p>
+          <a:p>
+            <a:pPr lvl="1">
+              <a:lnSpc>
+                <a:spcPct val="120000"/>
+              </a:lnSpc>
+              <a:buFont typeface="Courier New" panose="02070309020205020404" pitchFamily="49" charset="0"/>
+              <a:buChar char="o"/>
+            </a:pPr>
+            <a:r>
+              <a:rPr lang="en-US" sz="2500" dirty="0" err="1">
+                <a:latin typeface="Courier New" panose="02070309020205020404" pitchFamily="49" charset="0"/>
+                <a:cs typeface="Courier New" panose="02070309020205020404" pitchFamily="49" charset="0"/>
+              </a:rPr>
+              <a:t>datasignature</a:t>
+            </a:r>
+            <a:r>
+              <a:rPr lang="en-US" sz="2500" dirty="0">
+                <a:latin typeface="Courier New" panose="02070309020205020404" pitchFamily="49" charset="0"/>
+                <a:cs typeface="Courier New" panose="02070309020205020404" pitchFamily="49" charset="0"/>
+              </a:rPr>
+              <a:t> set </a:t>
+            </a:r>
+            <a:r>
+              <a:rPr lang="en-US" sz="2500" dirty="0"/>
+              <a:t>and </a:t>
+            </a:r>
+            <a:r>
+              <a:rPr lang="en-US" sz="2500" dirty="0" err="1">
+                <a:latin typeface="Courier New" panose="02070309020205020404" pitchFamily="49" charset="0"/>
+                <a:cs typeface="Courier New" panose="02070309020205020404" pitchFamily="49" charset="0"/>
+              </a:rPr>
+              <a:t>datasignature</a:t>
+            </a:r>
+            <a:r>
+              <a:rPr lang="en-US" sz="2500" dirty="0">
+                <a:latin typeface="Courier New" panose="02070309020205020404" pitchFamily="49" charset="0"/>
+                <a:cs typeface="Courier New" panose="02070309020205020404" pitchFamily="49" charset="0"/>
+              </a:rPr>
+              <a:t> confirm</a:t>
+            </a:r>
             <a:endParaRPr lang="en-US" dirty="0"/>
           </a:p>
           <a:p>
@@ -11221,81 +11547,6 @@
   <p:clrMapOvr>
     <a:masterClrMapping/>
   </p:clrMapOvr>
-  <p:timing>
-    <p:tnLst>
-      <p:par>
-        <p:cTn id="1" dur="indefinite" restart="never" nodeType="tmRoot">
-          <p:childTnLst>
-            <p:seq concurrent="1" nextAc="seek">
-              <p:cTn id="2" dur="indefinite" nodeType="mainSeq">
-                <p:childTnLst>
-                  <p:par>
-                    <p:cTn id="3" fill="hold">
-                      <p:stCondLst>
-                        <p:cond delay="indefinite"/>
-                      </p:stCondLst>
-                      <p:childTnLst>
-                        <p:par>
-                          <p:cTn id="4" fill="hold">
-                            <p:stCondLst>
-                              <p:cond delay="0"/>
-                            </p:stCondLst>
-                            <p:childTnLst>
-                              <p:par>
-                                <p:cTn id="5" presetID="1" presetClass="entr" presetSubtype="0" fill="hold" nodeType="clickEffect">
-                                  <p:stCondLst>
-                                    <p:cond delay="0"/>
-                                  </p:stCondLst>
-                                  <p:childTnLst>
-                                    <p:set>
-                                      <p:cBhvr>
-                                        <p:cTn id="6" dur="1" fill="hold">
-                                          <p:stCondLst>
-                                            <p:cond delay="0"/>
-                                          </p:stCondLst>
-                                        </p:cTn>
-                                        <p:tgtEl>
-                                          <p:spTgt spid="47"/>
-                                        </p:tgtEl>
-                                        <p:attrNameLst>
-                                          <p:attrName>style.visibility</p:attrName>
-                                        </p:attrNameLst>
-                                      </p:cBhvr>
-                                      <p:to>
-                                        <p:strVal val="visible"/>
-                                      </p:to>
-                                    </p:set>
-                                  </p:childTnLst>
-                                </p:cTn>
-                              </p:par>
-                            </p:childTnLst>
-                          </p:cTn>
-                        </p:par>
-                      </p:childTnLst>
-                    </p:cTn>
-                  </p:par>
-                </p:childTnLst>
-              </p:cTn>
-              <p:prevCondLst>
-                <p:cond evt="onPrev" delay="0">
-                  <p:tgtEl>
-                    <p:sldTgt/>
-                  </p:tgtEl>
-                </p:cond>
-              </p:prevCondLst>
-              <p:nextCondLst>
-                <p:cond evt="onNext" delay="0">
-                  <p:tgtEl>
-                    <p:sldTgt/>
-                  </p:tgtEl>
-                </p:cond>
-              </p:nextCondLst>
-            </p:seq>
-          </p:childTnLst>
-        </p:cTn>
-      </p:par>
-    </p:tnLst>
-  </p:timing>
 </p:sld>
 </file>
 

--- a/Reproducible_workflows_in_Stata_1.pptx
+++ b/Reproducible_workflows_in_Stata_1.pptx
@@ -141,6 +141,7 @@
 <p1510:revInfo xmlns:a="http://schemas.openxmlformats.org/drawingml/2006/main" xmlns:r="http://schemas.openxmlformats.org/officeDocument/2006/relationships" xmlns:p1510="http://schemas.microsoft.com/office/powerpoint/2015/10/main">
   <p1510:revLst>
     <p1510:client id="{89292745-C113-414A-83F6-665937AB26C7}" v="47" dt="2024-07-09T08:52:08.067"/>
+    <p1510:client id="{CE71E5F8-5F66-40EE-9069-8DCCD13D77B1}" v="1" dt="2024-07-09T08:57:32.472"/>
   </p1510:revLst>
 </p1510:revInfo>
 </file>
@@ -1587,6 +1588,38 @@
             <pc:docMk/>
             <pc:sldMk cId="3014174973" sldId="262"/>
             <ac:spMk id="3" creationId="{773E6A37-D220-3C04-1EC2-61B4658ABE66}"/>
+          </ac:spMkLst>
+        </pc:spChg>
+      </pc:sldChg>
+    </pc:docChg>
+  </pc:docChgLst>
+  <pc:docChgLst>
+    <pc:chgData name="Hughes, Alun" userId="81d6dbdb-f4e2-4bbf-862a-a384df869129" providerId="ADAL" clId="{CE71E5F8-5F66-40EE-9069-8DCCD13D77B1}"/>
+    <pc:docChg chg="modSld">
+      <pc:chgData name="Hughes, Alun" userId="81d6dbdb-f4e2-4bbf-862a-a384df869129" providerId="ADAL" clId="{CE71E5F8-5F66-40EE-9069-8DCCD13D77B1}" dt="2024-07-09T08:57:54.319" v="53" actId="1076"/>
+      <pc:docMkLst>
+        <pc:docMk/>
+      </pc:docMkLst>
+      <pc:sldChg chg="addSp modSp mod">
+        <pc:chgData name="Hughes, Alun" userId="81d6dbdb-f4e2-4bbf-862a-a384df869129" providerId="ADAL" clId="{CE71E5F8-5F66-40EE-9069-8DCCD13D77B1}" dt="2024-07-09T08:57:54.319" v="53" actId="1076"/>
+        <pc:sldMkLst>
+          <pc:docMk/>
+          <pc:sldMk cId="3290571964" sldId="258"/>
+        </pc:sldMkLst>
+        <pc:spChg chg="add mod">
+          <ac:chgData name="Hughes, Alun" userId="81d6dbdb-f4e2-4bbf-862a-a384df869129" providerId="ADAL" clId="{CE71E5F8-5F66-40EE-9069-8DCCD13D77B1}" dt="2024-07-09T08:57:22.391" v="1" actId="208"/>
+          <ac:spMkLst>
+            <pc:docMk/>
+            <pc:sldMk cId="3290571964" sldId="258"/>
+            <ac:spMk id="4" creationId="{DF51CBDF-29DA-EA67-C8D7-030044FE03AF}"/>
+          </ac:spMkLst>
+        </pc:spChg>
+        <pc:spChg chg="add mod">
+          <ac:chgData name="Hughes, Alun" userId="81d6dbdb-f4e2-4bbf-862a-a384df869129" providerId="ADAL" clId="{CE71E5F8-5F66-40EE-9069-8DCCD13D77B1}" dt="2024-07-09T08:57:54.319" v="53" actId="1076"/>
+          <ac:spMkLst>
+            <pc:docMk/>
+            <pc:sldMk cId="3290571964" sldId="258"/>
+            <ac:spMk id="5" creationId="{8FE48605-DD85-53E6-2E94-451969AD2DE5}"/>
           </ac:spMkLst>
         </pc:spChg>
       </pc:sldChg>
@@ -6280,6 +6313,90 @@
             <a:r>
               <a:rPr lang="en-GB" sz="3800" dirty="0"/>
               <a:t>Also, there’s lots more in Scott Long’s book that I haven’t covered.</a:t>
+            </a:r>
+          </a:p>
+        </p:txBody>
+      </p:sp>
+      <p:sp>
+        <p:nvSpPr>
+          <p:cNvPr id="4" name="Right Brace 3">
+            <a:extLst>
+              <a:ext uri="{FF2B5EF4-FFF2-40B4-BE49-F238E27FC236}">
+                <a16:creationId xmlns:a16="http://schemas.microsoft.com/office/drawing/2014/main" id="{DF51CBDF-29DA-EA67-C8D7-030044FE03AF}"/>
+              </a:ext>
+            </a:extLst>
+          </p:cNvPr>
+          <p:cNvSpPr/>
+          <p:nvPr/>
+        </p:nvSpPr>
+        <p:spPr>
+          <a:xfrm>
+            <a:off x="6419461" y="4879910"/>
+            <a:ext cx="279919" cy="923731"/>
+          </a:xfrm>
+          <a:prstGeom prst="rightBrace">
+            <a:avLst/>
+          </a:prstGeom>
+          <a:ln>
+            <a:solidFill>
+              <a:srgbClr val="FF0000"/>
+            </a:solidFill>
+          </a:ln>
+        </p:spPr>
+        <p:style>
+          <a:lnRef idx="2">
+            <a:schemeClr val="accent1"/>
+          </a:lnRef>
+          <a:fillRef idx="0">
+            <a:schemeClr val="accent1"/>
+          </a:fillRef>
+          <a:effectRef idx="1">
+            <a:schemeClr val="accent1"/>
+          </a:effectRef>
+          <a:fontRef idx="minor">
+            <a:schemeClr val="tx1"/>
+          </a:fontRef>
+        </p:style>
+        <p:txBody>
+          <a:bodyPr rtlCol="0" anchor="ctr"/>
+          <a:lstStyle/>
+          <a:p>
+            <a:pPr algn="ctr"/>
+            <a:endParaRPr lang="en-GB"/>
+          </a:p>
+        </p:txBody>
+      </p:sp>
+      <p:sp>
+        <p:nvSpPr>
+          <p:cNvPr id="5" name="TextBox 4">
+            <a:extLst>
+              <a:ext uri="{FF2B5EF4-FFF2-40B4-BE49-F238E27FC236}">
+                <a16:creationId xmlns:a16="http://schemas.microsoft.com/office/drawing/2014/main" id="{8FE48605-DD85-53E6-2E94-451969AD2DE5}"/>
+              </a:ext>
+            </a:extLst>
+          </p:cNvPr>
+          <p:cNvSpPr txBox="1"/>
+          <p:nvPr/>
+        </p:nvSpPr>
+        <p:spPr>
+          <a:xfrm>
+            <a:off x="6745361" y="5149886"/>
+            <a:ext cx="4623766" cy="369332"/>
+          </a:xfrm>
+          <a:prstGeom prst="rect">
+            <a:avLst/>
+          </a:prstGeom>
+          <a:noFill/>
+        </p:spPr>
+        <p:txBody>
+          <a:bodyPr wrap="none" rtlCol="0">
+            <a:spAutoFit/>
+          </a:bodyPr>
+          <a:lstStyle/>
+          <a:p>
+            <a:r>
+              <a:rPr lang="en-GB" dirty="0"/>
+              <a:t>Use a git for version control and code sharing</a:t>
             </a:r>
           </a:p>
         </p:txBody>
